--- a/Notes and Slides/CIS399Wk3Day1-HandlingData.pptx
+++ b/Notes and Slides/CIS399Wk3Day1-HandlingData.pptx
@@ -147,7 +147,7 @@
   </p:defaultTextStyle>
   <p:extLst>
     <p:ext uri="{EFAFB233-063F-42B5-8137-9DF3F51BA10A}">
-      <p15:sldGuideLst xmlns:p15="http://schemas.microsoft.com/office/powerpoint/2012/main" xmlns="">
+      <p15:sldGuideLst xmlns:p15="http://schemas.microsoft.com/office/powerpoint/2012/main">
         <p15:guide id="1" orient="horz" pos="2160">
           <p15:clr>
             <a:srgbClr val="A4A3A4"/>
@@ -246,7 +246,7 @@
           <a:p>
             <a:fld id="{1FC32AA1-1225-9048-80C3-2B6F58548154}" type="datetimeFigureOut">
               <a:rPr lang="en-US" smtClean="0"/>
-              <a:t>7/7/16</a:t>
+              <a:t>7/12/17</a:t>
             </a:fld>
             <a:endParaRPr lang="en-US"/>
           </a:p>
@@ -1487,7 +1487,7 @@
           <a:p>
             <a:fld id="{12110144-19AD-4D4E-902D-E18AF93089D3}" type="datetimeFigureOut">
               <a:rPr lang="en-US" smtClean="0"/>
-              <a:t>7/7/16</a:t>
+              <a:t>7/12/17</a:t>
             </a:fld>
             <a:endParaRPr lang="en-US"/>
           </a:p>
@@ -1657,7 +1657,7 @@
           <a:p>
             <a:fld id="{12110144-19AD-4D4E-902D-E18AF93089D3}" type="datetimeFigureOut">
               <a:rPr lang="en-US" smtClean="0"/>
-              <a:t>7/7/16</a:t>
+              <a:t>7/12/17</a:t>
             </a:fld>
             <a:endParaRPr lang="en-US"/>
           </a:p>
@@ -1837,7 +1837,7 @@
           <a:p>
             <a:fld id="{12110144-19AD-4D4E-902D-E18AF93089D3}" type="datetimeFigureOut">
               <a:rPr lang="en-US" smtClean="0"/>
-              <a:t>7/7/16</a:t>
+              <a:t>7/12/17</a:t>
             </a:fld>
             <a:endParaRPr lang="en-US"/>
           </a:p>
@@ -2007,7 +2007,7 @@
           <a:p>
             <a:fld id="{12110144-19AD-4D4E-902D-E18AF93089D3}" type="datetimeFigureOut">
               <a:rPr lang="en-US" smtClean="0"/>
-              <a:t>7/7/16</a:t>
+              <a:t>7/12/17</a:t>
             </a:fld>
             <a:endParaRPr lang="en-US"/>
           </a:p>
@@ -2253,7 +2253,7 @@
           <a:p>
             <a:fld id="{12110144-19AD-4D4E-902D-E18AF93089D3}" type="datetimeFigureOut">
               <a:rPr lang="en-US" smtClean="0"/>
-              <a:t>7/7/16</a:t>
+              <a:t>7/12/17</a:t>
             </a:fld>
             <a:endParaRPr lang="en-US"/>
           </a:p>
@@ -2541,7 +2541,7 @@
           <a:p>
             <a:fld id="{12110144-19AD-4D4E-902D-E18AF93089D3}" type="datetimeFigureOut">
               <a:rPr lang="en-US" smtClean="0"/>
-              <a:t>7/7/16</a:t>
+              <a:t>7/12/17</a:t>
             </a:fld>
             <a:endParaRPr lang="en-US"/>
           </a:p>
@@ -2963,7 +2963,7 @@
           <a:p>
             <a:fld id="{12110144-19AD-4D4E-902D-E18AF93089D3}" type="datetimeFigureOut">
               <a:rPr lang="en-US" smtClean="0"/>
-              <a:t>7/7/16</a:t>
+              <a:t>7/12/17</a:t>
             </a:fld>
             <a:endParaRPr lang="en-US"/>
           </a:p>
@@ -3081,7 +3081,7 @@
           <a:p>
             <a:fld id="{12110144-19AD-4D4E-902D-E18AF93089D3}" type="datetimeFigureOut">
               <a:rPr lang="en-US" smtClean="0"/>
-              <a:t>7/7/16</a:t>
+              <a:t>7/12/17</a:t>
             </a:fld>
             <a:endParaRPr lang="en-US"/>
           </a:p>
@@ -3176,7 +3176,7 @@
           <a:p>
             <a:fld id="{12110144-19AD-4D4E-902D-E18AF93089D3}" type="datetimeFigureOut">
               <a:rPr lang="en-US" smtClean="0"/>
-              <a:t>7/7/16</a:t>
+              <a:t>7/12/17</a:t>
             </a:fld>
             <a:endParaRPr lang="en-US"/>
           </a:p>
@@ -3453,7 +3453,7 @@
           <a:p>
             <a:fld id="{12110144-19AD-4D4E-902D-E18AF93089D3}" type="datetimeFigureOut">
               <a:rPr lang="en-US" smtClean="0"/>
-              <a:t>7/7/16</a:t>
+              <a:t>7/12/17</a:t>
             </a:fld>
             <a:endParaRPr lang="en-US"/>
           </a:p>
@@ -3706,7 +3706,7 @@
           <a:p>
             <a:fld id="{12110144-19AD-4D4E-902D-E18AF93089D3}" type="datetimeFigureOut">
               <a:rPr lang="en-US" smtClean="0"/>
-              <a:t>7/7/16</a:t>
+              <a:t>7/12/17</a:t>
             </a:fld>
             <a:endParaRPr lang="en-US"/>
           </a:p>
@@ -3937,7 +3937,7 @@
           <a:p>
             <a:fld id="{12110144-19AD-4D4E-902D-E18AF93089D3}" type="datetimeFigureOut">
               <a:rPr lang="en-US" smtClean="0"/>
-              <a:t>7/7/16</a:t>
+              <a:t>7/12/17</a:t>
             </a:fld>
             <a:endParaRPr lang="en-US"/>
           </a:p>
@@ -4451,20 +4451,12 @@
           <a:lstStyle/>
           <a:p>
             <a:r>
-              <a:rPr lang="en-US" b="1" dirty="0">
-                <a:solidFill>
-                  <a:srgbClr val="000090"/>
-                </a:solidFill>
-              </a:rPr>
-              <a:t>The classes used to work with </a:t>
-            </a:r>
-            <a:r>
               <a:rPr lang="en-US" b="1" dirty="0" smtClean="0">
                 <a:solidFill>
                   <a:srgbClr val="000090"/>
                 </a:solidFill>
               </a:rPr>
-              <a:t>SAX</a:t>
+              <a:t>SAX Classes Related to Parsing XML</a:t>
             </a:r>
             <a:endParaRPr lang="en-US" dirty="0">
               <a:solidFill>
@@ -4940,20 +4932,20 @@
           <p:nvPr>
             <p:extLst>
               <p:ext uri="{D42A27DB-BD31-4B8C-83A1-F6EECF244321}">
-                <p14:modId xmlns:p14="http://schemas.microsoft.com/office/powerpoint/2010/main" val="1330691890"/>
+                <p14:modId xmlns:p14="http://schemas.microsoft.com/office/powerpoint/2010/main" val="1360820768"/>
               </p:ext>
             </p:extLst>
           </p:nvPr>
         </p:nvGraphicFramePr>
         <p:xfrm>
-          <a:off x="919163" y="1655763"/>
-          <a:ext cx="7404100" cy="3644900"/>
+          <a:off x="302710" y="666974"/>
+          <a:ext cx="8538579" cy="4203383"/>
         </p:xfrm>
         <a:graphic>
           <a:graphicData uri="http://schemas.openxmlformats.org/presentationml/2006/ole">
             <mc:AlternateContent xmlns:mc="http://schemas.openxmlformats.org/markup-compatibility/2006">
               <mc:Choice xmlns:v="urn:schemas-microsoft-com:vml" Requires="v">
-                <p:oleObj spid="_x0000_s1040" name="Document" r:id="rId3" imgW="7404100" imgH="3644900" progId="Word.Document.12">
+                <p:oleObj spid="_x0000_s1045" name="Document" r:id="rId3" imgW="7404100" imgH="3644900" progId="Word.Document.12">
                   <p:embed/>
                 </p:oleObj>
               </mc:Choice>
@@ -4974,8 +4966,8 @@
                     </p:blipFill>
                     <p:spPr>
                       <a:xfrm>
-                        <a:off x="919163" y="1655763"/>
-                        <a:ext cx="7404100" cy="3644900"/>
+                        <a:off x="302710" y="666974"/>
+                        <a:ext cx="8538579" cy="4203383"/>
                       </a:xfrm>
                       <a:prstGeom prst="rect">
                         <a:avLst/>
@@ -4988,6 +4980,40 @@
           </a:graphicData>
         </a:graphic>
       </p:graphicFrame>
+      <p:sp>
+        <p:nvSpPr>
+          <p:cNvPr id="6" name="TextBox 5"/>
+          <p:cNvSpPr txBox="1"/>
+          <p:nvPr/>
+        </p:nvSpPr>
+        <p:spPr>
+          <a:xfrm>
+            <a:off x="1075765" y="5277355"/>
+            <a:ext cx="5744584" cy="369332"/>
+          </a:xfrm>
+          <a:prstGeom prst="rect">
+            <a:avLst/>
+          </a:prstGeom>
+          <a:noFill/>
+        </p:spPr>
+        <p:txBody>
+          <a:bodyPr wrap="square" rtlCol="0">
+            <a:spAutoFit/>
+          </a:bodyPr>
+          <a:lstStyle/>
+          <a:p>
+            <a:r>
+              <a:rPr lang="en-US" dirty="0" smtClean="0"/>
+              <a:t>Summary of code in </a:t>
+            </a:r>
+            <a:r>
+              <a:rPr lang="en-US" dirty="0" err="1" smtClean="0"/>
+              <a:t>FileIO.java</a:t>
+            </a:r>
+            <a:endParaRPr lang="en-US" dirty="0"/>
+          </a:p>
+        </p:txBody>
+      </p:sp>
     </p:spTree>
     <p:extLst>
       <p:ext uri="{BB962C8B-B14F-4D97-AF65-F5344CB8AC3E}">
@@ -5555,7 +5581,7 @@
           <a:graphicData uri="http://schemas.openxmlformats.org/presentationml/2006/ole">
             <mc:AlternateContent xmlns:mc="http://schemas.openxmlformats.org/markup-compatibility/2006">
               <mc:Choice xmlns:v="urn:schemas-microsoft-com:vml" Requires="v">
-                <p:oleObj spid="_x0000_s7184" name="Document" r:id="rId3" imgW="7518400" imgH="5257800" progId="Word.Document.12">
+                <p:oleObj spid="_x0000_s7189" name="Document" r:id="rId3" imgW="7518400" imgH="5257800" progId="Word.Document.12">
                   <p:embed/>
                 </p:oleObj>
               </mc:Choice>
@@ -5720,7 +5746,6 @@
               <a:rPr lang="en-US" dirty="0" smtClean="0"/>
               <a:t>, downloaded from the internet by the Newsreader app.</a:t>
             </a:r>
-            <a:endParaRPr lang="en-US" dirty="0" smtClean="0"/>
           </a:p>
           <a:p>
             <a:pPr marL="514350" indent="-514350">
@@ -5758,7 +5783,6 @@
               <a:rPr lang="en-US" i="1" dirty="0" smtClean="0"/>
               <a:t>Android Device Monitor</a:t>
             </a:r>
-            <a:endParaRPr lang="en-US" i="1" dirty="0" smtClean="0"/>
           </a:p>
           <a:p>
             <a:endParaRPr lang="en-US" dirty="0" smtClean="0"/>
@@ -5936,11 +5960,7 @@
             </a:pPr>
             <a:r>
               <a:rPr lang="en-US" dirty="0" smtClean="0"/>
-              <a:t>In Android Device Monitor, s</a:t>
-            </a:r>
-            <a:r>
-              <a:rPr lang="en-US" dirty="0" smtClean="0"/>
-              <a:t>elect the </a:t>
+              <a:t>In Android Device Monitor, select the </a:t>
             </a:r>
             <a:r>
               <a:rPr lang="en-US" i="1" dirty="0" smtClean="0"/>
@@ -6015,7 +6035,6 @@
               <a:rPr lang="en-US" dirty="0" smtClean="0"/>
               <a:t>View the file</a:t>
             </a:r>
-            <a:endParaRPr lang="en-US" dirty="0" smtClean="0"/>
           </a:p>
           <a:p>
             <a:endParaRPr lang="en-US" dirty="0" smtClean="0"/>
@@ -6155,11 +6174,7 @@
           <a:p>
             <a:r>
               <a:rPr lang="en-US" dirty="0" smtClean="0"/>
-              <a:t>Put breakpoints in the call-back </a:t>
-            </a:r>
-            <a:r>
-              <a:rPr lang="en-US" dirty="0" smtClean="0"/>
-              <a:t>methods. They will be called in this sequence:</a:t>
+              <a:t>Put breakpoints in the call-back methods. They will be called in this sequence:</a:t>
             </a:r>
           </a:p>
           <a:p>
@@ -6185,7 +6200,6 @@
               <a:rPr lang="en-US" dirty="0" smtClean="0"/>
               <a:t>Then these are called repeatedly:</a:t>
             </a:r>
-            <a:endParaRPr lang="en-US" dirty="0" smtClean="0"/>
           </a:p>
           <a:p>
             <a:pPr marL="1371600" lvl="2" indent="-514350">
@@ -6216,11 +6230,7 @@
             </a:r>
             <a:r>
               <a:rPr lang="en-US" dirty="0" smtClean="0"/>
-              <a:t>- </a:t>
-            </a:r>
-            <a:r>
-              <a:rPr lang="en-US" dirty="0" smtClean="0"/>
-              <a:t>called for each element with a value</a:t>
+              <a:t>- called for each element with a value</a:t>
             </a:r>
           </a:p>
           <a:p>
@@ -6412,7 +6422,7 @@
           <a:graphicData uri="http://schemas.openxmlformats.org/presentationml/2006/ole">
             <mc:AlternateContent xmlns:mc="http://schemas.openxmlformats.org/markup-compatibility/2006">
               <mc:Choice xmlns:v="urn:schemas-microsoft-com:vml" Requires="v">
-                <p:oleObj spid="_x0000_s8208" name="Document" r:id="rId3" imgW="6959600" imgH="5003800" progId="Word.Document.12">
+                <p:oleObj spid="_x0000_s8213" name="Document" r:id="rId3" imgW="6959600" imgH="5003800" progId="Word.Document.12">
                   <p:embed/>
                 </p:oleObj>
               </mc:Choice>
@@ -6611,7 +6621,7 @@
           <a:graphicData uri="http://schemas.openxmlformats.org/presentationml/2006/ole">
             <mc:AlternateContent xmlns:mc="http://schemas.openxmlformats.org/markup-compatibility/2006">
               <mc:Choice xmlns:v="urn:schemas-microsoft-com:vml" Requires="v">
-                <p:oleObj spid="_x0000_s9230" name="Document" r:id="rId3" imgW="7385143" imgH="5153726" progId="Word.Document.12">
+                <p:oleObj spid="_x0000_s9235" name="Document" r:id="rId3" imgW="7385143" imgH="5153726" progId="Word.Document.12">
                   <p:embed/>
                 </p:oleObj>
               </mc:Choice>
@@ -6810,7 +6820,7 @@
           <a:graphicData uri="http://schemas.openxmlformats.org/presentationml/2006/ole">
             <mc:AlternateContent xmlns:mc="http://schemas.openxmlformats.org/markup-compatibility/2006">
               <mc:Choice xmlns:v="urn:schemas-microsoft-com:vml" Requires="v">
-                <p:oleObj spid="_x0000_s10254" name="Document" r:id="rId3" imgW="7309115" imgH="4326518" progId="Word.Document.12">
+                <p:oleObj spid="_x0000_s10259" name="Document" r:id="rId3" imgW="7309115" imgH="4326518" progId="Word.Document.12">
                   <p:embed/>
                 </p:oleObj>
               </mc:Choice>
@@ -6923,7 +6933,7 @@
         </p:nvGraphicFramePr>
         <p:xfrm>
           <a:off x="457200" y="1600200"/>
-          <a:ext cx="3811200" cy="5152683"/>
+          <a:ext cx="3811200" cy="4725964"/>
         </p:xfrm>
         <a:graphic>
           <a:graphicData uri="http://schemas.openxmlformats.org/drawingml/2006/table">
@@ -7285,14 +7295,6 @@
                         <a:rPr lang="en-US" sz="2800" baseline="0" dirty="0" smtClean="0"/>
                         <a:t> apps, </a:t>
                       </a:r>
-                      <a:r>
-                        <a:rPr lang="en-US" sz="2800" u="none" baseline="0" dirty="0" smtClean="0">
-                          <a:solidFill>
-                            <a:schemeClr val="tx1"/>
-                          </a:solidFill>
-                        </a:rPr>
-                        <a:t>Fragments</a:t>
-                      </a:r>
                       <a:endParaRPr lang="en-US" sz="2800" u="none" dirty="0" smtClean="0">
                         <a:solidFill>
                           <a:schemeClr val="tx1"/>
@@ -7324,14 +7326,14 @@
             <p:ph sz="half" idx="2"/>
             <p:extLst>
               <p:ext uri="{D42A27DB-BD31-4B8C-83A1-F6EECF244321}">
-                <p14:modId xmlns:p14="http://schemas.microsoft.com/office/powerpoint/2010/main" val="825041224"/>
+                <p14:modId xmlns:p14="http://schemas.microsoft.com/office/powerpoint/2010/main" val="1066181124"/>
               </p:ext>
             </p:extLst>
           </p:nvPr>
         </p:nvGraphicFramePr>
         <p:xfrm>
           <a:off x="4412426" y="1600200"/>
-          <a:ext cx="4274374" cy="3866745"/>
+          <a:ext cx="4274374" cy="4725963"/>
         </p:xfrm>
         <a:graphic>
           <a:graphicData uri="http://schemas.openxmlformats.org/drawingml/2006/table">
@@ -7343,7 +7345,7 @@
                 <a:gridCol w="589196"/>
                 <a:gridCol w="3685178"/>
               </a:tblGrid>
-              <a:tr h="375862">
+              <a:tr h="386924">
                 <a:tc>
                   <a:txBody>
                     <a:bodyPr/>
@@ -7373,7 +7375,66 @@
                   <a:tcPr/>
                 </a:tc>
               </a:tr>
-              <a:tr h="957676">
+              <a:tr h="745418">
+                <a:tc>
+                  <a:txBody>
+                    <a:bodyPr/>
+                    <a:lstStyle/>
+                    <a:p>
+                      <a:r>
+                        <a:rPr lang="en-US" sz="2800" dirty="0" smtClean="0"/>
+                        <a:t>3</a:t>
+                      </a:r>
+                      <a:endParaRPr lang="en-US" sz="2800" dirty="0"/>
+                    </a:p>
+                  </a:txBody>
+                  <a:tcPr>
+                    <a:noFill/>
+                  </a:tcPr>
+                </a:tc>
+                <a:tc>
+                  <a:txBody>
+                    <a:bodyPr/>
+                    <a:lstStyle/>
+                    <a:p>
+                      <a:pPr marL="0" marR="0" indent="0" algn="l" defTabSz="457200" rtl="0" eaLnBrk="1" fontAlgn="auto" latinLnBrk="0" hangingPunct="1">
+                        <a:lnSpc>
+                          <a:spcPct val="100000"/>
+                        </a:lnSpc>
+                        <a:spcBef>
+                          <a:spcPts val="0"/>
+                        </a:spcBef>
+                        <a:spcAft>
+                          <a:spcPts val="0"/>
+                        </a:spcAft>
+                        <a:buClrTx/>
+                        <a:buSzTx/>
+                        <a:buFontTx/>
+                        <a:buNone/>
+                        <a:tabLst/>
+                        <a:defRPr/>
+                      </a:pPr>
+                      <a:r>
+                        <a:rPr lang="en-US" sz="2800" u="none" baseline="0" dirty="0" smtClean="0">
+                          <a:solidFill>
+                            <a:schemeClr val="tx1"/>
+                          </a:solidFill>
+                        </a:rPr>
+                        <a:t>Fragments</a:t>
+                      </a:r>
+                      <a:endParaRPr lang="en-US" sz="2800" u="none" dirty="0" smtClean="0">
+                        <a:solidFill>
+                          <a:schemeClr val="tx1"/>
+                        </a:solidFill>
+                      </a:endParaRPr>
+                    </a:p>
+                  </a:txBody>
+                  <a:tcPr>
+                    <a:noFill/>
+                  </a:tcPr>
+                </a:tc>
+              </a:tr>
+              <a:tr h="985861">
                 <a:tc>
                   <a:txBody>
                     <a:bodyPr/>
@@ -7451,7 +7512,7 @@
                   </a:tcPr>
                 </a:tc>
               </a:tr>
-              <a:tr h="525177">
+              <a:tr h="540633">
                 <a:tc>
                   <a:txBody>
                     <a:bodyPr/>
@@ -7497,7 +7558,7 @@
                   <a:tcPr/>
                 </a:tc>
               </a:tr>
-              <a:tr h="525177">
+              <a:tr h="540633">
                 <a:tc>
                   <a:txBody>
                     <a:bodyPr/>
@@ -7548,7 +7609,7 @@
                   <a:tcPr/>
                 </a:tc>
               </a:tr>
-              <a:tr h="957676">
+              <a:tr h="985861">
                 <a:tc>
                   <a:txBody>
                     <a:bodyPr/>
@@ -7594,7 +7655,7 @@
                   <a:tcPr/>
                 </a:tc>
               </a:tr>
-              <a:tr h="525177">
+              <a:tr h="540633">
                 <a:tc>
                   <a:txBody>
                     <a:bodyPr/>
@@ -7808,7 +7869,7 @@
           <a:graphicData uri="http://schemas.openxmlformats.org/presentationml/2006/ole">
             <mc:AlternateContent xmlns:mc="http://schemas.openxmlformats.org/markup-compatibility/2006">
               <mc:Choice xmlns:v="urn:schemas-microsoft-com:vml" Requires="v">
-                <p:oleObj spid="_x0000_s11278" name="Document" r:id="rId3" imgW="6864119" imgH="4678614" progId="Word.Document.12">
+                <p:oleObj spid="_x0000_s11283" name="Document" r:id="rId3" imgW="6864119" imgH="4678614" progId="Word.Document.12">
                   <p:embed/>
                 </p:oleObj>
               </mc:Choice>
@@ -8007,7 +8068,7 @@
           <a:graphicData uri="http://schemas.openxmlformats.org/presentationml/2006/ole">
             <mc:AlternateContent xmlns:mc="http://schemas.openxmlformats.org/markup-compatibility/2006">
               <mc:Choice xmlns:v="urn:schemas-microsoft-com:vml" Requires="v">
-                <p:oleObj spid="_x0000_s12302" name="Document" r:id="rId3" imgW="6864119" imgH="2858612" progId="Word.Document.12">
+                <p:oleObj spid="_x0000_s12307" name="Document" r:id="rId3" imgW="6864119" imgH="2858612" progId="Word.Document.12">
                   <p:embed/>
                 </p:oleObj>
               </mc:Choice>
@@ -8206,7 +8267,7 @@
           <a:graphicData uri="http://schemas.openxmlformats.org/presentationml/2006/ole">
             <mc:AlternateContent xmlns:mc="http://schemas.openxmlformats.org/markup-compatibility/2006">
               <mc:Choice xmlns:v="urn:schemas-microsoft-com:vml" Requires="v">
-                <p:oleObj spid="_x0000_s13327" name="Document" r:id="rId3" imgW="6858000" imgH="4610100" progId="Word.Document.12">
+                <p:oleObj spid="_x0000_s13332" name="Document" r:id="rId3" imgW="6858000" imgH="4610100" progId="Word.Document.12">
                   <p:embed/>
                 </p:oleObj>
               </mc:Choice>
@@ -8405,7 +8466,7 @@
           <a:graphicData uri="http://schemas.openxmlformats.org/presentationml/2006/ole">
             <mc:AlternateContent xmlns:mc="http://schemas.openxmlformats.org/markup-compatibility/2006">
               <mc:Choice xmlns:v="urn:schemas-microsoft-com:vml" Requires="v">
-                <p:oleObj spid="_x0000_s14350" name="Document" r:id="rId3" imgW="6864119" imgH="4880636" progId="Word.Document.12">
+                <p:oleObj spid="_x0000_s14355" name="Document" r:id="rId3" imgW="6864119" imgH="4880636" progId="Word.Document.12">
                   <p:embed/>
                 </p:oleObj>
               </mc:Choice>
@@ -8604,7 +8665,7 @@
           <a:graphicData uri="http://schemas.openxmlformats.org/presentationml/2006/ole">
             <mc:AlternateContent xmlns:mc="http://schemas.openxmlformats.org/markup-compatibility/2006">
               <mc:Choice xmlns:v="urn:schemas-microsoft-com:vml" Requires="v">
-                <p:oleObj spid="_x0000_s15374" name="Document" r:id="rId3" imgW="6864119" imgH="3060634" progId="Word.Document.12">
+                <p:oleObj spid="_x0000_s15379" name="Document" r:id="rId3" imgW="6864119" imgH="3060634" progId="Word.Document.12">
                   <p:embed/>
                 </p:oleObj>
               </mc:Choice>
@@ -8803,7 +8864,7 @@
           <a:graphicData uri="http://schemas.openxmlformats.org/presentationml/2006/ole">
             <mc:AlternateContent xmlns:mc="http://schemas.openxmlformats.org/markup-compatibility/2006">
               <mc:Choice xmlns:v="urn:schemas-microsoft-com:vml" Requires="v">
-                <p:oleObj spid="_x0000_s16398" name="Document" r:id="rId3" imgW="6864119" imgH="4274570" progId="Word.Document.12">
+                <p:oleObj spid="_x0000_s16403" name="Document" r:id="rId3" imgW="6864119" imgH="4274570" progId="Word.Document.12">
                   <p:embed/>
                 </p:oleObj>
               </mc:Choice>
@@ -9002,7 +9063,7 @@
           <a:graphicData uri="http://schemas.openxmlformats.org/presentationml/2006/ole">
             <mc:AlternateContent xmlns:mc="http://schemas.openxmlformats.org/markup-compatibility/2006">
               <mc:Choice xmlns:v="urn:schemas-microsoft-com:vml" Requires="v">
-                <p:oleObj spid="_x0000_s17422" name="Document" r:id="rId3" imgW="6864119" imgH="5286484" progId="Word.Document.12">
+                <p:oleObj spid="_x0000_s17427" name="Document" r:id="rId3" imgW="6864119" imgH="5286484" progId="Word.Document.12">
                   <p:embed/>
                 </p:oleObj>
               </mc:Choice>
@@ -9201,7 +9262,7 @@
           <a:graphicData uri="http://schemas.openxmlformats.org/presentationml/2006/ole">
             <mc:AlternateContent xmlns:mc="http://schemas.openxmlformats.org/markup-compatibility/2006">
               <mc:Choice xmlns:v="urn:schemas-microsoft-com:vml" Requires="v">
-                <p:oleObj spid="_x0000_s18446" name="Document" r:id="rId3" imgW="7220116" imgH="4542970" progId="Word.Document.12">
+                <p:oleObj spid="_x0000_s18451" name="Document" r:id="rId3" imgW="7220116" imgH="4542970" progId="Word.Document.12">
                   <p:embed/>
                 </p:oleObj>
               </mc:Choice>
@@ -9491,7 +9552,7 @@
           <a:graphicData uri="http://schemas.openxmlformats.org/presentationml/2006/ole">
             <mc:AlternateContent xmlns:mc="http://schemas.openxmlformats.org/markup-compatibility/2006">
               <mc:Choice xmlns:v="urn:schemas-microsoft-com:vml" Requires="v">
-                <p:oleObj spid="_x0000_s19479" name="Document" r:id="rId3" imgW="6965729" imgH="801234" progId="Word.Document.12">
+                <p:oleObj spid="_x0000_s19488" name="Document" r:id="rId3" imgW="6965729" imgH="801234" progId="Word.Document.12">
                   <p:embed/>
                 </p:oleObj>
               </mc:Choice>
@@ -9548,7 +9609,7 @@
           <a:graphicData uri="http://schemas.openxmlformats.org/presentationml/2006/ole">
             <mc:AlternateContent xmlns:mc="http://schemas.openxmlformats.org/markup-compatibility/2006">
               <mc:Choice xmlns:v="urn:schemas-microsoft-com:vml" Requires="v">
-                <p:oleObj spid="_x0000_s19480" r:id="rId5" imgW="2961415" imgH="3075761" progId="Visio.Drawing.11">
+                <p:oleObj spid="_x0000_s19489" r:id="rId5" imgW="2961415" imgH="3075761" progId="Visio.Drawing.11">
                   <p:embed/>
                 </p:oleObj>
               </mc:Choice>
@@ -9587,7 +9648,7 @@
                       <a:noFill/>
                       <a:extLst>
                         <a:ext uri="{909E8E84-426E-40dd-AFC4-6F175D3DCCD1}">
-                          <a14:hiddenFill xmlns:a14="http://schemas.microsoft.com/office/drawing/2010/main">
+                          <a14:hiddenFill xmlns:a14="http://schemas.microsoft.com/office/drawing/2010/main" xmlns="">
                             <a:solidFill>
                               <a:srgbClr val="FFFFFF"/>
                             </a:solidFill>
@@ -10489,7 +10550,7 @@
           <a:graphicData uri="http://schemas.openxmlformats.org/presentationml/2006/ole">
             <mc:AlternateContent xmlns:mc="http://schemas.openxmlformats.org/markup-compatibility/2006">
               <mc:Choice xmlns:v="urn:schemas-microsoft-com:vml" Requires="v">
-                <p:oleObj spid="_x0000_s23566" name="Document" r:id="rId3" imgW="8305800" imgH="4686300" progId="Word.Document.12">
+                <p:oleObj spid="_x0000_s23571" name="Document" r:id="rId3" imgW="8305800" imgH="4686300" progId="Word.Document.12">
                   <p:embed/>
                 </p:oleObj>
               </mc:Choice>
@@ -11423,7 +11484,7 @@
           <a:graphicData uri="http://schemas.openxmlformats.org/presentationml/2006/ole">
             <mc:AlternateContent xmlns:mc="http://schemas.openxmlformats.org/markup-compatibility/2006">
               <mc:Choice xmlns:v="urn:schemas-microsoft-com:vml" Requires="v">
-                <p:oleObj spid="_x0000_s20493" name="Document" r:id="rId3" imgW="6864119" imgH="4844200" progId="Word.Document.12">
+                <p:oleObj spid="_x0000_s20498" name="Document" r:id="rId3" imgW="6864119" imgH="4844200" progId="Word.Document.12">
                   <p:embed/>
                 </p:oleObj>
               </mc:Choice>
@@ -11622,7 +11683,7 @@
           <a:graphicData uri="http://schemas.openxmlformats.org/presentationml/2006/ole">
             <mc:AlternateContent xmlns:mc="http://schemas.openxmlformats.org/markup-compatibility/2006">
               <mc:Choice xmlns:v="urn:schemas-microsoft-com:vml" Requires="v">
-                <p:oleObj spid="_x0000_s21517" name="Document" r:id="rId3" imgW="6864119" imgH="4844200" progId="Word.Document.12">
+                <p:oleObj spid="_x0000_s21522" name="Document" r:id="rId3" imgW="6864119" imgH="4844200" progId="Word.Document.12">
                   <p:embed/>
                 </p:oleObj>
               </mc:Choice>
@@ -11821,7 +11882,7 @@
           <a:graphicData uri="http://schemas.openxmlformats.org/presentationml/2006/ole">
             <mc:AlternateContent xmlns:mc="http://schemas.openxmlformats.org/markup-compatibility/2006">
               <mc:Choice xmlns:v="urn:schemas-microsoft-com:vml" Requires="v">
-                <p:oleObj spid="_x0000_s22541" name="Document" r:id="rId3" imgW="7423337" imgH="5268807" progId="Word.Document.12">
+                <p:oleObj spid="_x0000_s22546" name="Document" r:id="rId3" imgW="7423337" imgH="5268807" progId="Word.Document.12">
                   <p:embed/>
                 </p:oleObj>
               </mc:Choice>
@@ -12263,20 +12324,20 @@
           <p:nvPr>
             <p:extLst>
               <p:ext uri="{D42A27DB-BD31-4B8C-83A1-F6EECF244321}">
-                <p14:modId xmlns:p14="http://schemas.microsoft.com/office/powerpoint/2010/main" val="3580923560"/>
+                <p14:modId xmlns:p14="http://schemas.microsoft.com/office/powerpoint/2010/main" val="498893502"/>
               </p:ext>
             </p:extLst>
           </p:nvPr>
         </p:nvGraphicFramePr>
         <p:xfrm>
-          <a:off x="917575" y="520878"/>
-          <a:ext cx="6858000" cy="4079875"/>
+          <a:off x="510231" y="477848"/>
+          <a:ext cx="8129719" cy="4836430"/>
         </p:xfrm>
         <a:graphic>
           <a:graphicData uri="http://schemas.openxmlformats.org/presentationml/2006/ole">
             <mc:AlternateContent xmlns:mc="http://schemas.openxmlformats.org/markup-compatibility/2006">
               <mc:Choice xmlns:v="urn:schemas-microsoft-com:vml" Requires="v">
-                <p:oleObj spid="_x0000_s4111" name="Document" r:id="rId3" imgW="6858000" imgH="4089400" progId="Word.Document.12">
+                <p:oleObj spid="_x0000_s4116" name="Document" r:id="rId3" imgW="6858000" imgH="4089400" progId="Word.Document.12">
                   <p:embed/>
                 </p:oleObj>
               </mc:Choice>
@@ -12297,8 +12358,8 @@
                     </p:blipFill>
                     <p:spPr>
                       <a:xfrm>
-                        <a:off x="917575" y="520878"/>
-                        <a:ext cx="6858000" cy="4079875"/>
+                        <a:off x="510231" y="477848"/>
+                        <a:ext cx="8129719" cy="4836430"/>
                       </a:xfrm>
                       <a:prstGeom prst="rect">
                         <a:avLst/>
@@ -12462,20 +12523,20 @@
           <p:nvPr>
             <p:extLst>
               <p:ext uri="{D42A27DB-BD31-4B8C-83A1-F6EECF244321}">
-                <p14:modId xmlns:p14="http://schemas.microsoft.com/office/powerpoint/2010/main" val="3257894265"/>
+                <p14:modId xmlns:p14="http://schemas.microsoft.com/office/powerpoint/2010/main" val="563266739"/>
               </p:ext>
             </p:extLst>
           </p:nvPr>
         </p:nvGraphicFramePr>
         <p:xfrm>
-          <a:off x="914400" y="860563"/>
-          <a:ext cx="6864350" cy="4678362"/>
+          <a:off x="665181" y="279649"/>
+          <a:ext cx="8143539" cy="5550187"/>
         </p:xfrm>
         <a:graphic>
           <a:graphicData uri="http://schemas.openxmlformats.org/presentationml/2006/ole">
             <mc:AlternateContent xmlns:mc="http://schemas.openxmlformats.org/markup-compatibility/2006">
               <mc:Choice xmlns:v="urn:schemas-microsoft-com:vml" Requires="v">
-                <p:oleObj spid="_x0000_s5135" name="Document" r:id="rId3" imgW="6864119" imgH="4687993" progId="Word.Document.12">
+                <p:oleObj spid="_x0000_s5140" name="Document" r:id="rId3" imgW="6864119" imgH="4687993" progId="Word.Document.12">
                   <p:embed/>
                 </p:oleObj>
               </mc:Choice>
@@ -12496,8 +12557,8 @@
                     </p:blipFill>
                     <p:spPr>
                       <a:xfrm>
-                        <a:off x="914400" y="860563"/>
-                        <a:ext cx="6864350" cy="4678362"/>
+                        <a:off x="665181" y="279649"/>
+                        <a:ext cx="8143539" cy="5550187"/>
                       </a:xfrm>
                       <a:prstGeom prst="rect">
                         <a:avLst/>
@@ -12610,7 +12671,11 @@
           <a:p>
             <a:r>
               <a:rPr lang="en-US" dirty="0" smtClean="0"/>
-              <a:t>APIs used for parsing XML</a:t>
+              <a:t>Java Libraries </a:t>
+            </a:r>
+            <a:r>
+              <a:rPr lang="en-US" dirty="0" smtClean="0"/>
+              <a:t>used for parsing XML</a:t>
             </a:r>
           </a:p>
           <a:p>
@@ -12656,11 +12721,7 @@
             <a:pPr lvl="2"/>
             <a:r>
               <a:rPr lang="en-US" dirty="0" smtClean="0"/>
-              <a:t>The </a:t>
-            </a:r>
-            <a:r>
-              <a:rPr lang="en-US" smtClean="0"/>
-              <a:t>DOM API can </a:t>
+              <a:t>The DOM API can </a:t>
             </a:r>
             <a:r>
               <a:rPr lang="en-US" dirty="0"/>

--- a/Notes and Slides/CIS399Wk3Day1-HandlingData.pptx
+++ b/Notes and Slides/CIS399Wk3Day1-HandlingData.pptx
@@ -246,7 +246,7 @@
           <a:p>
             <a:fld id="{1FC32AA1-1225-9048-80C3-2B6F58548154}" type="datetimeFigureOut">
               <a:rPr lang="en-US" smtClean="0"/>
-              <a:t>7/12/17</a:t>
+              <a:t>6/28/18</a:t>
             </a:fld>
             <a:endParaRPr lang="en-US"/>
           </a:p>
@@ -310,38 +310,37 @@
           <a:p>
             <a:pPr lvl="0"/>
             <a:r>
-              <a:rPr lang="en-US" smtClean="0"/>
+              <a:rPr lang="en-US"/>
               <a:t>Click to edit Master text styles</a:t>
             </a:r>
           </a:p>
           <a:p>
             <a:pPr lvl="1"/>
             <a:r>
-              <a:rPr lang="en-US" smtClean="0"/>
+              <a:rPr lang="en-US"/>
               <a:t>Second level</a:t>
             </a:r>
           </a:p>
           <a:p>
             <a:pPr lvl="2"/>
             <a:r>
-              <a:rPr lang="en-US" smtClean="0"/>
+              <a:rPr lang="en-US"/>
               <a:t>Third level</a:t>
             </a:r>
           </a:p>
           <a:p>
             <a:pPr lvl="3"/>
             <a:r>
-              <a:rPr lang="en-US" smtClean="0"/>
+              <a:rPr lang="en-US"/>
               <a:t>Fourth level</a:t>
             </a:r>
           </a:p>
           <a:p>
             <a:pPr lvl="4"/>
             <a:r>
-              <a:rPr lang="en-US" smtClean="0"/>
+              <a:rPr lang="en-US"/>
               <a:t>Fifth level</a:t>
             </a:r>
-            <a:endParaRPr lang="en-US"/>
           </a:p>
         </p:txBody>
       </p:sp>
@@ -559,79 +558,79 @@
           <a:lstStyle/>
           <a:p>
             <a:r>
-              <a:rPr lang="en-US" dirty="0" smtClean="0"/>
+              <a:rPr lang="en-US" dirty="0"/>
               <a:t>Official SAX web page:</a:t>
             </a:r>
             <a:r>
-              <a:rPr lang="en-US" baseline="0" dirty="0" smtClean="0"/>
+              <a:rPr lang="en-US" baseline="0" dirty="0"/>
               <a:t> </a:t>
             </a:r>
             <a:r>
-              <a:rPr lang="en-US" dirty="0" smtClean="0"/>
+              <a:rPr lang="en-US" dirty="0"/>
               <a:t>http://</a:t>
             </a:r>
             <a:r>
-              <a:rPr lang="en-US" dirty="0" err="1" smtClean="0"/>
+              <a:rPr lang="en-US" dirty="0" err="1"/>
               <a:t>www.saxproject.org</a:t>
             </a:r>
             <a:r>
-              <a:rPr lang="en-US" dirty="0" smtClean="0"/>
+              <a:rPr lang="en-US" dirty="0"/>
               <a:t>/</a:t>
             </a:r>
           </a:p>
           <a:p>
             <a:r>
-              <a:rPr lang="en-US" dirty="0" smtClean="0"/>
+              <a:rPr lang="en-US" dirty="0"/>
               <a:t>JAXP includes both SAX and DOM parsers: http://</a:t>
             </a:r>
             <a:r>
-              <a:rPr lang="en-US" dirty="0" err="1" smtClean="0"/>
+              <a:rPr lang="en-US" dirty="0" err="1"/>
               <a:t>www.oracle.com</a:t>
             </a:r>
             <a:r>
-              <a:rPr lang="en-US" dirty="0" smtClean="0"/>
+              <a:rPr lang="en-US" dirty="0"/>
               <a:t>/</a:t>
             </a:r>
             <a:r>
-              <a:rPr lang="en-US" dirty="0" err="1" smtClean="0"/>
+              <a:rPr lang="en-US" dirty="0" err="1"/>
               <a:t>technetwork</a:t>
             </a:r>
             <a:r>
-              <a:rPr lang="en-US" dirty="0" smtClean="0"/>
+              <a:rPr lang="en-US" dirty="0"/>
               <a:t>/java/intro-140052.html</a:t>
             </a:r>
           </a:p>
           <a:p>
             <a:r>
-              <a:rPr lang="en-US" dirty="0" smtClean="0"/>
+              <a:rPr lang="en-US" dirty="0"/>
               <a:t>JAXB</a:t>
             </a:r>
             <a:r>
-              <a:rPr lang="en-US" baseline="0" dirty="0" smtClean="0"/>
+              <a:rPr lang="en-US" baseline="0" dirty="0"/>
               <a:t> documentation: http://</a:t>
             </a:r>
             <a:r>
-              <a:rPr lang="en-US" baseline="0" dirty="0" err="1" smtClean="0"/>
+              <a:rPr lang="en-US" baseline="0" dirty="0" err="1"/>
               <a:t>www.oracle.com</a:t>
             </a:r>
             <a:r>
-              <a:rPr lang="en-US" baseline="0" dirty="0" smtClean="0"/>
+              <a:rPr lang="en-US" baseline="0" dirty="0"/>
               <a:t>/</a:t>
             </a:r>
             <a:r>
-              <a:rPr lang="en-US" baseline="0" dirty="0" err="1" smtClean="0"/>
+              <a:rPr lang="en-US" baseline="0" dirty="0" err="1"/>
               <a:t>technetwork</a:t>
             </a:r>
             <a:r>
-              <a:rPr lang="en-US" baseline="0" dirty="0" smtClean="0"/>
+              <a:rPr lang="en-US" baseline="0" dirty="0"/>
               <a:t>/articles/</a:t>
             </a:r>
             <a:r>
-              <a:rPr lang="en-US" baseline="0" dirty="0" err="1" smtClean="0"/>
+              <a:rPr lang="en-US" baseline="0" dirty="0" err="1"/>
               <a:t>javase</a:t>
             </a:r>
             <a:r>
-              <a:rPr lang="en-US" baseline="0" smtClean="0"/>
+              <a:rPr lang="en-US" baseline="0"/>
               <a:t>/index-140168.html</a:t>
             </a:r>
             <a:endParaRPr lang="en-US" dirty="0"/>
@@ -719,19 +718,19 @@
           <a:lstStyle/>
           <a:p>
             <a:r>
-              <a:rPr lang="en-US" dirty="0" smtClean="0"/>
+              <a:rPr lang="en-US" dirty="0"/>
               <a:t>https://</a:t>
             </a:r>
             <a:r>
-              <a:rPr lang="en-US" dirty="0" err="1" smtClean="0"/>
+              <a:rPr lang="en-US" dirty="0" err="1"/>
               <a:t>developer.android.com</a:t>
             </a:r>
             <a:r>
-              <a:rPr lang="en-US" dirty="0" smtClean="0"/>
+              <a:rPr lang="en-US" dirty="0"/>
               <a:t>/studio/profile/</a:t>
             </a:r>
             <a:r>
-              <a:rPr lang="en-US" dirty="0" err="1" smtClean="0"/>
+              <a:rPr lang="en-US" dirty="0" err="1"/>
               <a:t>monitor.html</a:t>
             </a:r>
             <a:endParaRPr lang="en-US" dirty="0"/>
@@ -819,22 +818,21 @@
           <a:lstStyle/>
           <a:p>
             <a:r>
-              <a:rPr lang="en-US" dirty="0" smtClean="0"/>
+              <a:rPr lang="en-US" dirty="0"/>
               <a:t>https://</a:t>
             </a:r>
             <a:r>
-              <a:rPr lang="en-US" dirty="0" err="1" smtClean="0"/>
+              <a:rPr lang="en-US" dirty="0" err="1"/>
               <a:t>developer.android.com</a:t>
             </a:r>
             <a:r>
-              <a:rPr lang="en-US" dirty="0" smtClean="0"/>
+              <a:rPr lang="en-US" dirty="0"/>
               <a:t>/studio/profile/</a:t>
             </a:r>
             <a:r>
-              <a:rPr lang="en-US" smtClean="0"/>
+              <a:rPr lang="en-US"/>
               <a:t>monitor.html</a:t>
             </a:r>
-            <a:endParaRPr lang="en-US"/>
           </a:p>
         </p:txBody>
       </p:sp>
@@ -919,27 +917,27 @@
           <a:lstStyle/>
           <a:p>
             <a:r>
-              <a:rPr lang="en-US" dirty="0" smtClean="0"/>
+              <a:rPr lang="en-US" dirty="0"/>
               <a:t>https://</a:t>
             </a:r>
             <a:r>
-              <a:rPr lang="en-US" dirty="0" err="1" smtClean="0"/>
+              <a:rPr lang="en-US" dirty="0" err="1"/>
               <a:t>developer.android.com</a:t>
             </a:r>
             <a:r>
-              <a:rPr lang="en-US" dirty="0" smtClean="0"/>
+              <a:rPr lang="en-US" dirty="0"/>
               <a:t>/reference/android/</a:t>
             </a:r>
             <a:r>
-              <a:rPr lang="en-US" dirty="0" err="1" smtClean="0"/>
+              <a:rPr lang="en-US" dirty="0" err="1"/>
               <a:t>os</a:t>
             </a:r>
             <a:r>
-              <a:rPr lang="en-US" dirty="0" smtClean="0"/>
+              <a:rPr lang="en-US" dirty="0"/>
               <a:t>/</a:t>
             </a:r>
             <a:r>
-              <a:rPr lang="en-US" dirty="0" err="1" smtClean="0"/>
+              <a:rPr lang="en-US" dirty="0" err="1"/>
               <a:t>AsyncTask.html</a:t>
             </a:r>
             <a:endParaRPr lang="en-US" dirty="0"/>
@@ -1027,27 +1025,27 @@
           <a:lstStyle/>
           <a:p>
             <a:r>
-              <a:rPr lang="en-US" dirty="0" smtClean="0"/>
+              <a:rPr lang="en-US" dirty="0"/>
               <a:t>https://</a:t>
             </a:r>
             <a:r>
-              <a:rPr lang="en-US" dirty="0" err="1" smtClean="0"/>
+              <a:rPr lang="en-US" dirty="0" err="1"/>
               <a:t>developer.android.com</a:t>
             </a:r>
             <a:r>
-              <a:rPr lang="en-US" dirty="0" smtClean="0"/>
+              <a:rPr lang="en-US" dirty="0"/>
               <a:t>/reference/android/</a:t>
             </a:r>
             <a:r>
-              <a:rPr lang="en-US" dirty="0" err="1" smtClean="0"/>
+              <a:rPr lang="en-US" dirty="0" err="1"/>
               <a:t>os</a:t>
             </a:r>
             <a:r>
-              <a:rPr lang="en-US" dirty="0" smtClean="0"/>
+              <a:rPr lang="en-US" dirty="0"/>
               <a:t>/</a:t>
             </a:r>
             <a:r>
-              <a:rPr lang="en-US" dirty="0" err="1" smtClean="0"/>
+              <a:rPr lang="en-US" dirty="0" err="1"/>
               <a:t>AsyncTask.html</a:t>
             </a:r>
             <a:endParaRPr lang="en-US" dirty="0"/>
@@ -1135,27 +1133,27 @@
           <a:lstStyle/>
           <a:p>
             <a:r>
-              <a:rPr lang="en-US" dirty="0" smtClean="0"/>
+              <a:rPr lang="en-US" dirty="0"/>
               <a:t>https://</a:t>
             </a:r>
             <a:r>
-              <a:rPr lang="en-US" dirty="0" err="1" smtClean="0"/>
+              <a:rPr lang="en-US" dirty="0" err="1"/>
               <a:t>developer.android.com</a:t>
             </a:r>
             <a:r>
-              <a:rPr lang="en-US" dirty="0" smtClean="0"/>
+              <a:rPr lang="en-US" dirty="0"/>
               <a:t>/reference/android/</a:t>
             </a:r>
             <a:r>
-              <a:rPr lang="en-US" dirty="0" err="1" smtClean="0"/>
+              <a:rPr lang="en-US" dirty="0" err="1"/>
               <a:t>os</a:t>
             </a:r>
             <a:r>
-              <a:rPr lang="en-US" dirty="0" smtClean="0"/>
+              <a:rPr lang="en-US" dirty="0"/>
               <a:t>/</a:t>
             </a:r>
             <a:r>
-              <a:rPr lang="en-US" dirty="0" err="1" smtClean="0"/>
+              <a:rPr lang="en-US" dirty="0" err="1"/>
               <a:t>AsyncTask.html</a:t>
             </a:r>
             <a:endParaRPr lang="en-US" dirty="0"/>
@@ -1243,27 +1241,27 @@
           <a:lstStyle/>
           <a:p>
             <a:r>
-              <a:rPr lang="en-US" dirty="0" smtClean="0"/>
+              <a:rPr lang="en-US" dirty="0"/>
               <a:t>Example from: https://</a:t>
             </a:r>
             <a:r>
-              <a:rPr lang="en-US" dirty="0" err="1" smtClean="0"/>
+              <a:rPr lang="en-US" dirty="0" err="1"/>
               <a:t>developer.android.com</a:t>
             </a:r>
             <a:r>
-              <a:rPr lang="en-US" dirty="0" smtClean="0"/>
+              <a:rPr lang="en-US" dirty="0"/>
               <a:t>/reference/android/</a:t>
             </a:r>
             <a:r>
-              <a:rPr lang="en-US" dirty="0" err="1" smtClean="0"/>
+              <a:rPr lang="en-US" dirty="0" err="1"/>
               <a:t>os</a:t>
             </a:r>
             <a:r>
-              <a:rPr lang="en-US" dirty="0" smtClean="0"/>
+              <a:rPr lang="en-US" dirty="0"/>
               <a:t>/</a:t>
             </a:r>
             <a:r>
-              <a:rPr lang="en-US" dirty="0" err="1" smtClean="0"/>
+              <a:rPr lang="en-US" dirty="0" err="1"/>
               <a:t>AsyncTask.html</a:t>
             </a:r>
             <a:endParaRPr lang="en-US" dirty="0"/>
@@ -1344,10 +1342,9 @@
           <a:lstStyle/>
           <a:p>
             <a:r>
-              <a:rPr lang="en-US" smtClean="0"/>
+              <a:rPr lang="en-US"/>
               <a:t>Click to edit Master title style</a:t>
             </a:r>
-            <a:endParaRPr lang="en-US"/>
           </a:p>
         </p:txBody>
       </p:sp>
@@ -1463,10 +1460,9 @@
           </a:lstStyle>
           <a:p>
             <a:r>
-              <a:rPr lang="en-US" smtClean="0"/>
+              <a:rPr lang="en-US"/>
               <a:t>Click to edit Master subtitle style</a:t>
             </a:r>
-            <a:endParaRPr lang="en-US"/>
           </a:p>
         </p:txBody>
       </p:sp>
@@ -1487,7 +1483,7 @@
           <a:p>
             <a:fld id="{12110144-19AD-4D4E-902D-E18AF93089D3}" type="datetimeFigureOut">
               <a:rPr lang="en-US" smtClean="0"/>
-              <a:t>7/12/17</a:t>
+              <a:t>6/28/18</a:t>
             </a:fld>
             <a:endParaRPr lang="en-US"/>
           </a:p>
@@ -1581,10 +1577,9 @@
           <a:lstStyle/>
           <a:p>
             <a:r>
-              <a:rPr lang="en-US" smtClean="0"/>
+              <a:rPr lang="en-US"/>
               <a:t>Click to edit Master title style</a:t>
             </a:r>
-            <a:endParaRPr lang="en-US"/>
           </a:p>
         </p:txBody>
       </p:sp>
@@ -1605,38 +1600,37 @@
           <a:p>
             <a:pPr lvl="0"/>
             <a:r>
-              <a:rPr lang="en-US" smtClean="0"/>
+              <a:rPr lang="en-US"/>
               <a:t>Click to edit Master text styles</a:t>
             </a:r>
           </a:p>
           <a:p>
             <a:pPr lvl="1"/>
             <a:r>
-              <a:rPr lang="en-US" smtClean="0"/>
+              <a:rPr lang="en-US"/>
               <a:t>Second level</a:t>
             </a:r>
           </a:p>
           <a:p>
             <a:pPr lvl="2"/>
             <a:r>
-              <a:rPr lang="en-US" smtClean="0"/>
+              <a:rPr lang="en-US"/>
               <a:t>Third level</a:t>
             </a:r>
           </a:p>
           <a:p>
             <a:pPr lvl="3"/>
             <a:r>
-              <a:rPr lang="en-US" smtClean="0"/>
+              <a:rPr lang="en-US"/>
               <a:t>Fourth level</a:t>
             </a:r>
           </a:p>
           <a:p>
             <a:pPr lvl="4"/>
             <a:r>
-              <a:rPr lang="en-US" smtClean="0"/>
+              <a:rPr lang="en-US"/>
               <a:t>Fifth level</a:t>
             </a:r>
-            <a:endParaRPr lang="en-US"/>
           </a:p>
         </p:txBody>
       </p:sp>
@@ -1657,7 +1651,7 @@
           <a:p>
             <a:fld id="{12110144-19AD-4D4E-902D-E18AF93089D3}" type="datetimeFigureOut">
               <a:rPr lang="en-US" smtClean="0"/>
-              <a:t>7/12/17</a:t>
+              <a:t>6/28/18</a:t>
             </a:fld>
             <a:endParaRPr lang="en-US"/>
           </a:p>
@@ -1756,10 +1750,9 @@
           <a:lstStyle/>
           <a:p>
             <a:r>
-              <a:rPr lang="en-US" smtClean="0"/>
+              <a:rPr lang="en-US"/>
               <a:t>Click to edit Master title style</a:t>
             </a:r>
-            <a:endParaRPr lang="en-US"/>
           </a:p>
         </p:txBody>
       </p:sp>
@@ -1785,38 +1778,37 @@
           <a:p>
             <a:pPr lvl="0"/>
             <a:r>
-              <a:rPr lang="en-US" smtClean="0"/>
+              <a:rPr lang="en-US"/>
               <a:t>Click to edit Master text styles</a:t>
             </a:r>
           </a:p>
           <a:p>
             <a:pPr lvl="1"/>
             <a:r>
-              <a:rPr lang="en-US" smtClean="0"/>
+              <a:rPr lang="en-US"/>
               <a:t>Second level</a:t>
             </a:r>
           </a:p>
           <a:p>
             <a:pPr lvl="2"/>
             <a:r>
-              <a:rPr lang="en-US" smtClean="0"/>
+              <a:rPr lang="en-US"/>
               <a:t>Third level</a:t>
             </a:r>
           </a:p>
           <a:p>
             <a:pPr lvl="3"/>
             <a:r>
-              <a:rPr lang="en-US" smtClean="0"/>
+              <a:rPr lang="en-US"/>
               <a:t>Fourth level</a:t>
             </a:r>
           </a:p>
           <a:p>
             <a:pPr lvl="4"/>
             <a:r>
-              <a:rPr lang="en-US" smtClean="0"/>
+              <a:rPr lang="en-US"/>
               <a:t>Fifth level</a:t>
             </a:r>
-            <a:endParaRPr lang="en-US"/>
           </a:p>
         </p:txBody>
       </p:sp>
@@ -1837,7 +1829,7 @@
           <a:p>
             <a:fld id="{12110144-19AD-4D4E-902D-E18AF93089D3}" type="datetimeFigureOut">
               <a:rPr lang="en-US" smtClean="0"/>
-              <a:t>7/12/17</a:t>
+              <a:t>6/28/18</a:t>
             </a:fld>
             <a:endParaRPr lang="en-US"/>
           </a:p>
@@ -1931,10 +1923,9 @@
           <a:lstStyle/>
           <a:p>
             <a:r>
-              <a:rPr lang="en-US" smtClean="0"/>
+              <a:rPr lang="en-US"/>
               <a:t>Click to edit Master title style</a:t>
             </a:r>
-            <a:endParaRPr lang="en-US"/>
           </a:p>
         </p:txBody>
       </p:sp>
@@ -1955,38 +1946,37 @@
           <a:p>
             <a:pPr lvl="0"/>
             <a:r>
-              <a:rPr lang="en-US" smtClean="0"/>
+              <a:rPr lang="en-US"/>
               <a:t>Click to edit Master text styles</a:t>
             </a:r>
           </a:p>
           <a:p>
             <a:pPr lvl="1"/>
             <a:r>
-              <a:rPr lang="en-US" smtClean="0"/>
+              <a:rPr lang="en-US"/>
               <a:t>Second level</a:t>
             </a:r>
           </a:p>
           <a:p>
             <a:pPr lvl="2"/>
             <a:r>
-              <a:rPr lang="en-US" smtClean="0"/>
+              <a:rPr lang="en-US"/>
               <a:t>Third level</a:t>
             </a:r>
           </a:p>
           <a:p>
             <a:pPr lvl="3"/>
             <a:r>
-              <a:rPr lang="en-US" smtClean="0"/>
+              <a:rPr lang="en-US"/>
               <a:t>Fourth level</a:t>
             </a:r>
           </a:p>
           <a:p>
             <a:pPr lvl="4"/>
             <a:r>
-              <a:rPr lang="en-US" smtClean="0"/>
+              <a:rPr lang="en-US"/>
               <a:t>Fifth level</a:t>
             </a:r>
-            <a:endParaRPr lang="en-US"/>
           </a:p>
         </p:txBody>
       </p:sp>
@@ -2007,7 +1997,7 @@
           <a:p>
             <a:fld id="{12110144-19AD-4D4E-902D-E18AF93089D3}" type="datetimeFigureOut">
               <a:rPr lang="en-US" smtClean="0"/>
-              <a:t>7/12/17</a:t>
+              <a:t>6/28/18</a:t>
             </a:fld>
             <a:endParaRPr lang="en-US"/>
           </a:p>
@@ -2110,10 +2100,9 @@
           </a:lstStyle>
           <a:p>
             <a:r>
-              <a:rPr lang="en-US" smtClean="0"/>
+              <a:rPr lang="en-US"/>
               <a:t>Click to edit Master title style</a:t>
             </a:r>
-            <a:endParaRPr lang="en-US"/>
           </a:p>
         </p:txBody>
       </p:sp>
@@ -2230,7 +2219,7 @@
           <a:p>
             <a:pPr lvl="0"/>
             <a:r>
-              <a:rPr lang="en-US" smtClean="0"/>
+              <a:rPr lang="en-US"/>
               <a:t>Click to edit Master text styles</a:t>
             </a:r>
           </a:p>
@@ -2253,7 +2242,7 @@
           <a:p>
             <a:fld id="{12110144-19AD-4D4E-902D-E18AF93089D3}" type="datetimeFigureOut">
               <a:rPr lang="en-US" smtClean="0"/>
-              <a:t>7/12/17</a:t>
+              <a:t>6/28/18</a:t>
             </a:fld>
             <a:endParaRPr lang="en-US"/>
           </a:p>
@@ -2347,10 +2336,9 @@
           <a:lstStyle/>
           <a:p>
             <a:r>
-              <a:rPr lang="en-US" smtClean="0"/>
+              <a:rPr lang="en-US"/>
               <a:t>Click to edit Master title style</a:t>
             </a:r>
-            <a:endParaRPr lang="en-US"/>
           </a:p>
         </p:txBody>
       </p:sp>
@@ -2404,38 +2392,37 @@
           <a:p>
             <a:pPr lvl="0"/>
             <a:r>
-              <a:rPr lang="en-US" smtClean="0"/>
+              <a:rPr lang="en-US"/>
               <a:t>Click to edit Master text styles</a:t>
             </a:r>
           </a:p>
           <a:p>
             <a:pPr lvl="1"/>
             <a:r>
-              <a:rPr lang="en-US" smtClean="0"/>
+              <a:rPr lang="en-US"/>
               <a:t>Second level</a:t>
             </a:r>
           </a:p>
           <a:p>
             <a:pPr lvl="2"/>
             <a:r>
-              <a:rPr lang="en-US" smtClean="0"/>
+              <a:rPr lang="en-US"/>
               <a:t>Third level</a:t>
             </a:r>
           </a:p>
           <a:p>
             <a:pPr lvl="3"/>
             <a:r>
-              <a:rPr lang="en-US" smtClean="0"/>
+              <a:rPr lang="en-US"/>
               <a:t>Fourth level</a:t>
             </a:r>
           </a:p>
           <a:p>
             <a:pPr lvl="4"/>
             <a:r>
-              <a:rPr lang="en-US" smtClean="0"/>
+              <a:rPr lang="en-US"/>
               <a:t>Fifth level</a:t>
             </a:r>
-            <a:endParaRPr lang="en-US"/>
           </a:p>
         </p:txBody>
       </p:sp>
@@ -2489,38 +2476,37 @@
           <a:p>
             <a:pPr lvl="0"/>
             <a:r>
-              <a:rPr lang="en-US" smtClean="0"/>
+              <a:rPr lang="en-US"/>
               <a:t>Click to edit Master text styles</a:t>
             </a:r>
           </a:p>
           <a:p>
             <a:pPr lvl="1"/>
             <a:r>
-              <a:rPr lang="en-US" smtClean="0"/>
+              <a:rPr lang="en-US"/>
               <a:t>Second level</a:t>
             </a:r>
           </a:p>
           <a:p>
             <a:pPr lvl="2"/>
             <a:r>
-              <a:rPr lang="en-US" smtClean="0"/>
+              <a:rPr lang="en-US"/>
               <a:t>Third level</a:t>
             </a:r>
           </a:p>
           <a:p>
             <a:pPr lvl="3"/>
             <a:r>
-              <a:rPr lang="en-US" smtClean="0"/>
+              <a:rPr lang="en-US"/>
               <a:t>Fourth level</a:t>
             </a:r>
           </a:p>
           <a:p>
             <a:pPr lvl="4"/>
             <a:r>
-              <a:rPr lang="en-US" smtClean="0"/>
+              <a:rPr lang="en-US"/>
               <a:t>Fifth level</a:t>
             </a:r>
-            <a:endParaRPr lang="en-US"/>
           </a:p>
         </p:txBody>
       </p:sp>
@@ -2541,7 +2527,7 @@
           <a:p>
             <a:fld id="{12110144-19AD-4D4E-902D-E18AF93089D3}" type="datetimeFigureOut">
               <a:rPr lang="en-US" smtClean="0"/>
-              <a:t>7/12/17</a:t>
+              <a:t>6/28/18</a:t>
             </a:fld>
             <a:endParaRPr lang="en-US"/>
           </a:p>
@@ -2639,10 +2625,9 @@
           </a:lstStyle>
           <a:p>
             <a:r>
-              <a:rPr lang="en-US" smtClean="0"/>
+              <a:rPr lang="en-US"/>
               <a:t>Click to edit Master title style</a:t>
             </a:r>
-            <a:endParaRPr lang="en-US"/>
           </a:p>
         </p:txBody>
       </p:sp>
@@ -2705,7 +2690,7 @@
           <a:p>
             <a:pPr lvl="0"/>
             <a:r>
-              <a:rPr lang="en-US" smtClean="0"/>
+              <a:rPr lang="en-US"/>
               <a:t>Click to edit Master text styles</a:t>
             </a:r>
           </a:p>
@@ -2761,38 +2746,37 @@
           <a:p>
             <a:pPr lvl="0"/>
             <a:r>
-              <a:rPr lang="en-US" smtClean="0"/>
+              <a:rPr lang="en-US"/>
               <a:t>Click to edit Master text styles</a:t>
             </a:r>
           </a:p>
           <a:p>
             <a:pPr lvl="1"/>
             <a:r>
-              <a:rPr lang="en-US" smtClean="0"/>
+              <a:rPr lang="en-US"/>
               <a:t>Second level</a:t>
             </a:r>
           </a:p>
           <a:p>
             <a:pPr lvl="2"/>
             <a:r>
-              <a:rPr lang="en-US" smtClean="0"/>
+              <a:rPr lang="en-US"/>
               <a:t>Third level</a:t>
             </a:r>
           </a:p>
           <a:p>
             <a:pPr lvl="3"/>
             <a:r>
-              <a:rPr lang="en-US" smtClean="0"/>
+              <a:rPr lang="en-US"/>
               <a:t>Fourth level</a:t>
             </a:r>
           </a:p>
           <a:p>
             <a:pPr lvl="4"/>
             <a:r>
-              <a:rPr lang="en-US" smtClean="0"/>
+              <a:rPr lang="en-US"/>
               <a:t>Fifth level</a:t>
             </a:r>
-            <a:endParaRPr lang="en-US"/>
           </a:p>
         </p:txBody>
       </p:sp>
@@ -2855,7 +2839,7 @@
           <a:p>
             <a:pPr lvl="0"/>
             <a:r>
-              <a:rPr lang="en-US" smtClean="0"/>
+              <a:rPr lang="en-US"/>
               <a:t>Click to edit Master text styles</a:t>
             </a:r>
           </a:p>
@@ -2911,38 +2895,37 @@
           <a:p>
             <a:pPr lvl="0"/>
             <a:r>
-              <a:rPr lang="en-US" smtClean="0"/>
+              <a:rPr lang="en-US"/>
               <a:t>Click to edit Master text styles</a:t>
             </a:r>
           </a:p>
           <a:p>
             <a:pPr lvl="1"/>
             <a:r>
-              <a:rPr lang="en-US" smtClean="0"/>
+              <a:rPr lang="en-US"/>
               <a:t>Second level</a:t>
             </a:r>
           </a:p>
           <a:p>
             <a:pPr lvl="2"/>
             <a:r>
-              <a:rPr lang="en-US" smtClean="0"/>
+              <a:rPr lang="en-US"/>
               <a:t>Third level</a:t>
             </a:r>
           </a:p>
           <a:p>
             <a:pPr lvl="3"/>
             <a:r>
-              <a:rPr lang="en-US" smtClean="0"/>
+              <a:rPr lang="en-US"/>
               <a:t>Fourth level</a:t>
             </a:r>
           </a:p>
           <a:p>
             <a:pPr lvl="4"/>
             <a:r>
-              <a:rPr lang="en-US" smtClean="0"/>
+              <a:rPr lang="en-US"/>
               <a:t>Fifth level</a:t>
             </a:r>
-            <a:endParaRPr lang="en-US"/>
           </a:p>
         </p:txBody>
       </p:sp>
@@ -2963,7 +2946,7 @@
           <a:p>
             <a:fld id="{12110144-19AD-4D4E-902D-E18AF93089D3}" type="datetimeFigureOut">
               <a:rPr lang="en-US" smtClean="0"/>
-              <a:t>7/12/17</a:t>
+              <a:t>6/28/18</a:t>
             </a:fld>
             <a:endParaRPr lang="en-US"/>
           </a:p>
@@ -3057,10 +3040,9 @@
           <a:lstStyle/>
           <a:p>
             <a:r>
-              <a:rPr lang="en-US" smtClean="0"/>
+              <a:rPr lang="en-US"/>
               <a:t>Click to edit Master title style</a:t>
             </a:r>
-            <a:endParaRPr lang="en-US"/>
           </a:p>
         </p:txBody>
       </p:sp>
@@ -3081,7 +3063,7 @@
           <a:p>
             <a:fld id="{12110144-19AD-4D4E-902D-E18AF93089D3}" type="datetimeFigureOut">
               <a:rPr lang="en-US" smtClean="0"/>
-              <a:t>7/12/17</a:t>
+              <a:t>6/28/18</a:t>
             </a:fld>
             <a:endParaRPr lang="en-US"/>
           </a:p>
@@ -3176,7 +3158,7 @@
           <a:p>
             <a:fld id="{12110144-19AD-4D4E-902D-E18AF93089D3}" type="datetimeFigureOut">
               <a:rPr lang="en-US" smtClean="0"/>
-              <a:t>7/12/17</a:t>
+              <a:t>6/28/18</a:t>
             </a:fld>
             <a:endParaRPr lang="en-US"/>
           </a:p>
@@ -3279,10 +3261,9 @@
           </a:lstStyle>
           <a:p>
             <a:r>
-              <a:rPr lang="en-US" smtClean="0"/>
+              <a:rPr lang="en-US"/>
               <a:t>Click to edit Master title style</a:t>
             </a:r>
-            <a:endParaRPr lang="en-US"/>
           </a:p>
         </p:txBody>
       </p:sp>
@@ -3336,38 +3317,37 @@
           <a:p>
             <a:pPr lvl="0"/>
             <a:r>
-              <a:rPr lang="en-US" smtClean="0"/>
+              <a:rPr lang="en-US"/>
               <a:t>Click to edit Master text styles</a:t>
             </a:r>
           </a:p>
           <a:p>
             <a:pPr lvl="1"/>
             <a:r>
-              <a:rPr lang="en-US" smtClean="0"/>
+              <a:rPr lang="en-US"/>
               <a:t>Second level</a:t>
             </a:r>
           </a:p>
           <a:p>
             <a:pPr lvl="2"/>
             <a:r>
-              <a:rPr lang="en-US" smtClean="0"/>
+              <a:rPr lang="en-US"/>
               <a:t>Third level</a:t>
             </a:r>
           </a:p>
           <a:p>
             <a:pPr lvl="3"/>
             <a:r>
-              <a:rPr lang="en-US" smtClean="0"/>
+              <a:rPr lang="en-US"/>
               <a:t>Fourth level</a:t>
             </a:r>
           </a:p>
           <a:p>
             <a:pPr lvl="4"/>
             <a:r>
-              <a:rPr lang="en-US" smtClean="0"/>
+              <a:rPr lang="en-US"/>
               <a:t>Fifth level</a:t>
             </a:r>
-            <a:endParaRPr lang="en-US"/>
           </a:p>
         </p:txBody>
       </p:sp>
@@ -3430,7 +3410,7 @@
           <a:p>
             <a:pPr lvl="0"/>
             <a:r>
-              <a:rPr lang="en-US" smtClean="0"/>
+              <a:rPr lang="en-US"/>
               <a:t>Click to edit Master text styles</a:t>
             </a:r>
           </a:p>
@@ -3453,7 +3433,7 @@
           <a:p>
             <a:fld id="{12110144-19AD-4D4E-902D-E18AF93089D3}" type="datetimeFigureOut">
               <a:rPr lang="en-US" smtClean="0"/>
-              <a:t>7/12/17</a:t>
+              <a:t>6/28/18</a:t>
             </a:fld>
             <a:endParaRPr lang="en-US"/>
           </a:p>
@@ -3556,10 +3536,9 @@
           </a:lstStyle>
           <a:p>
             <a:r>
-              <a:rPr lang="en-US" smtClean="0"/>
+              <a:rPr lang="en-US"/>
               <a:t>Click to edit Master title style</a:t>
             </a:r>
-            <a:endParaRPr lang="en-US"/>
           </a:p>
         </p:txBody>
       </p:sp>
@@ -3683,7 +3662,7 @@
           <a:p>
             <a:pPr lvl="0"/>
             <a:r>
-              <a:rPr lang="en-US" smtClean="0"/>
+              <a:rPr lang="en-US"/>
               <a:t>Click to edit Master text styles</a:t>
             </a:r>
           </a:p>
@@ -3706,7 +3685,7 @@
           <a:p>
             <a:fld id="{12110144-19AD-4D4E-902D-E18AF93089D3}" type="datetimeFigureOut">
               <a:rPr lang="en-US" smtClean="0"/>
-              <a:t>7/12/17</a:t>
+              <a:t>6/28/18</a:t>
             </a:fld>
             <a:endParaRPr lang="en-US"/>
           </a:p>
@@ -3833,10 +3812,9 @@
           <a:lstStyle/>
           <a:p>
             <a:r>
-              <a:rPr lang="en-US" smtClean="0"/>
+              <a:rPr lang="en-US"/>
               <a:t>Click to edit Master title style</a:t>
             </a:r>
-            <a:endParaRPr lang="en-US"/>
           </a:p>
         </p:txBody>
       </p:sp>
@@ -3867,38 +3845,37 @@
           <a:p>
             <a:pPr lvl="0"/>
             <a:r>
-              <a:rPr lang="en-US" smtClean="0"/>
+              <a:rPr lang="en-US"/>
               <a:t>Click to edit Master text styles</a:t>
             </a:r>
           </a:p>
           <a:p>
             <a:pPr lvl="1"/>
             <a:r>
-              <a:rPr lang="en-US" smtClean="0"/>
+              <a:rPr lang="en-US"/>
               <a:t>Second level</a:t>
             </a:r>
           </a:p>
           <a:p>
             <a:pPr lvl="2"/>
             <a:r>
-              <a:rPr lang="en-US" smtClean="0"/>
+              <a:rPr lang="en-US"/>
               <a:t>Third level</a:t>
             </a:r>
           </a:p>
           <a:p>
             <a:pPr lvl="3"/>
             <a:r>
-              <a:rPr lang="en-US" smtClean="0"/>
+              <a:rPr lang="en-US"/>
               <a:t>Fourth level</a:t>
             </a:r>
           </a:p>
           <a:p>
             <a:pPr lvl="4"/>
             <a:r>
-              <a:rPr lang="en-US" smtClean="0"/>
+              <a:rPr lang="en-US"/>
               <a:t>Fifth level</a:t>
             </a:r>
-            <a:endParaRPr lang="en-US"/>
           </a:p>
         </p:txBody>
       </p:sp>
@@ -3937,7 +3914,7 @@
           <a:p>
             <a:fld id="{12110144-19AD-4D4E-902D-E18AF93089D3}" type="datetimeFigureOut">
               <a:rPr lang="en-US" smtClean="0"/>
-              <a:t>7/12/17</a:t>
+              <a:t>6/28/18</a:t>
             </a:fld>
             <a:endParaRPr lang="en-US"/>
           </a:p>
@@ -4353,10 +4330,9 @@
               </a:spcAft>
             </a:pPr>
             <a:r>
-              <a:rPr lang="en-US" sz="8800" b="1" dirty="0" smtClean="0"/>
+              <a:rPr lang="en-US" sz="8800" b="1" dirty="0"/>
               <a:t>Handling Data</a:t>
             </a:r>
-            <a:endParaRPr lang="en-US" sz="8800" b="1" dirty="0"/>
           </a:p>
         </p:txBody>
       </p:sp>
@@ -4383,18 +4359,13 @@
           <a:lstStyle/>
           <a:p>
             <a:r>
-              <a:rPr lang="en-US" sz="4400" dirty="0" smtClean="0">
+              <a:rPr lang="en-US" sz="4400" dirty="0">
                 <a:solidFill>
                   <a:schemeClr val="tx1"/>
                 </a:solidFill>
               </a:rPr>
               <a:t>CIS 399</a:t>
             </a:r>
-            <a:endParaRPr lang="en-US" sz="4400" dirty="0">
-              <a:solidFill>
-                <a:schemeClr val="tx1"/>
-              </a:solidFill>
-            </a:endParaRPr>
           </a:p>
         </p:txBody>
       </p:sp>
@@ -4451,7 +4422,7 @@
           <a:lstStyle/>
           <a:p>
             <a:r>
-              <a:rPr lang="en-US" b="1" dirty="0" smtClean="0">
+              <a:rPr lang="en-US" b="1" dirty="0">
                 <a:solidFill>
                   <a:srgbClr val="000090"/>
                 </a:solidFill>
@@ -4487,18 +4458,17 @@
           <a:lstStyle/>
           <a:p>
             <a:r>
-              <a:rPr lang="en-US" b="1" dirty="0" err="1" smtClean="0"/>
+              <a:rPr lang="en-US" b="1" dirty="0" err="1"/>
               <a:t>javax.xml.parsers.SAXParser</a:t>
             </a:r>
-            <a:endParaRPr lang="en-US" b="1" dirty="0" smtClean="0"/>
+            <a:endParaRPr lang="en-US" b="1" dirty="0"/>
           </a:p>
           <a:p>
             <a:pPr lvl="1"/>
             <a:r>
-              <a:rPr lang="en-US" b="1" dirty="0" smtClean="0"/>
+              <a:rPr lang="en-US" b="1" dirty="0"/>
               <a:t>Does the actual parsing</a:t>
             </a:r>
-            <a:endParaRPr lang="en-US" b="1" dirty="0"/>
           </a:p>
           <a:p>
             <a:r>
@@ -4510,53 +4480,52 @@
           <a:p>
             <a:pPr lvl="1"/>
             <a:r>
-              <a:rPr lang="en-US" b="1" dirty="0" smtClean="0"/>
+              <a:rPr lang="en-US" b="1" dirty="0"/>
               <a:t>Creates a </a:t>
             </a:r>
             <a:r>
-              <a:rPr lang="en-US" b="1" dirty="0" err="1" smtClean="0"/>
+              <a:rPr lang="en-US" b="1" dirty="0" err="1"/>
               <a:t>SAXParser</a:t>
             </a:r>
             <a:r>
-              <a:rPr lang="en-US" b="1" dirty="0" smtClean="0"/>
+              <a:rPr lang="en-US" b="1" dirty="0"/>
               <a:t> object	</a:t>
             </a:r>
+          </a:p>
+          <a:p>
+            <a:r>
+              <a:rPr lang="en-US" b="1" dirty="0" err="1"/>
+              <a:t>org.xml.sax.InputSource</a:t>
+            </a:r>
             <a:endParaRPr lang="en-US" b="1" dirty="0"/>
           </a:p>
           <a:p>
-            <a:r>
-              <a:rPr lang="en-US" b="1" dirty="0" err="1" smtClean="0"/>
-              <a:t>org.xml.sax.InputSource</a:t>
-            </a:r>
-            <a:endParaRPr lang="en-US" b="1" dirty="0" smtClean="0"/>
-          </a:p>
-          <a:p>
             <a:pPr lvl="1"/>
             <a:r>
-              <a:rPr lang="en-US" b="1" dirty="0" smtClean="0"/>
+              <a:rPr lang="en-US" b="1" dirty="0"/>
               <a:t>Abstracts the import source for the </a:t>
             </a:r>
             <a:r>
-              <a:rPr lang="en-US" b="1" dirty="0" err="1" smtClean="0"/>
+              <a:rPr lang="en-US" b="1" dirty="0" err="1"/>
               <a:t>XMLReader</a:t>
             </a:r>
             <a:endParaRPr lang="en-US" b="1" dirty="0"/>
           </a:p>
           <a:p>
             <a:r>
-              <a:rPr lang="en-US" b="1" dirty="0" err="1" smtClean="0"/>
+              <a:rPr lang="en-US" b="1" dirty="0" err="1"/>
               <a:t>org.xml.sax.XMLReader</a:t>
             </a:r>
-            <a:endParaRPr lang="en-US" b="1" dirty="0" smtClean="0"/>
+            <a:endParaRPr lang="en-US" b="1" dirty="0"/>
           </a:p>
           <a:p>
             <a:pPr lvl="1"/>
             <a:r>
-              <a:rPr lang="en-US" b="1" dirty="0" smtClean="0"/>
+              <a:rPr lang="en-US" b="1" dirty="0"/>
               <a:t>Reads from the </a:t>
             </a:r>
             <a:r>
-              <a:rPr lang="en-US" b="1" dirty="0" err="1" smtClean="0"/>
+              <a:rPr lang="en-US" b="1" dirty="0" err="1"/>
               <a:t>InputSource</a:t>
             </a:r>
             <a:endParaRPr lang="en-US" b="1" dirty="0"/>
@@ -4582,10 +4551,9 @@
               <a:defRPr/>
             </a:pPr>
             <a:r>
-              <a:rPr lang="en-US" smtClean="0"/>
+              <a:rPr lang="en-US"/>
               <a:t>Murach's Android Programming, C10</a:t>
             </a:r>
-            <a:endParaRPr lang="en-US"/>
           </a:p>
         </p:txBody>
       </p:sp>
@@ -4608,10 +4576,9 @@
               <a:defRPr/>
             </a:pPr>
             <a:r>
-              <a:rPr lang="en-US" dirty="0" smtClean="0"/>
+              <a:rPr lang="en-US" dirty="0"/>
               <a:t>© 2013, Mike Murach &amp; Associates, Inc. – Revised by Brian Bird 2016</a:t>
             </a:r>
-            <a:endParaRPr lang="en-US" dirty="0"/>
           </a:p>
         </p:txBody>
       </p:sp>
@@ -4633,14 +4600,14 @@
             <a:pPr>
               <a:defRPr/>
             </a:pPr>
-            <a:endParaRPr lang="en-US" dirty="0" smtClean="0"/>
+            <a:endParaRPr lang="en-US" dirty="0"/>
           </a:p>
           <a:p>
             <a:pPr algn="r">
               <a:defRPr/>
             </a:pPr>
             <a:r>
-              <a:rPr lang="en-US" sz="900" dirty="0" smtClean="0">
+              <a:rPr lang="en-US" sz="900" dirty="0">
                 <a:latin typeface="Arial Narrow" pitchFamily="34" charset="0"/>
               </a:rPr>
               <a:t>Slide </a:t>
@@ -4729,10 +4696,9 @@
           <a:lstStyle/>
           <a:p>
             <a:r>
-              <a:rPr lang="en-US" dirty="0" smtClean="0"/>
+              <a:rPr lang="en-US" dirty="0"/>
               <a:t>Code Tour</a:t>
             </a:r>
-            <a:endParaRPr lang="en-US" dirty="0"/>
           </a:p>
         </p:txBody>
       </p:sp>
@@ -4752,29 +4718,29 @@
           <a:lstStyle/>
           <a:p>
             <a:r>
-              <a:rPr lang="en-US" dirty="0" smtClean="0"/>
+              <a:rPr lang="en-US" dirty="0"/>
               <a:t>Open the Ch. 10 RSS Feed Reader App</a:t>
             </a:r>
           </a:p>
           <a:p>
             <a:r>
-              <a:rPr lang="en-US" dirty="0" smtClean="0"/>
+              <a:rPr lang="en-US" dirty="0"/>
               <a:t>Which activity is started when the app is launched? (look in the manifest)</a:t>
             </a:r>
           </a:p>
           <a:p>
             <a:r>
-              <a:rPr lang="en-US" dirty="0" smtClean="0"/>
+              <a:rPr lang="en-US" dirty="0"/>
               <a:t>What task related to reading the RSS feed is executed after the activity is created?</a:t>
             </a:r>
           </a:p>
           <a:p>
             <a:r>
-              <a:rPr lang="en-US" dirty="0" smtClean="0"/>
+              <a:rPr lang="en-US" dirty="0"/>
               <a:t>Look at </a:t>
             </a:r>
             <a:r>
-              <a:rPr lang="en-US" dirty="0" err="1" smtClean="0"/>
+              <a:rPr lang="en-US" dirty="0" err="1"/>
               <a:t>FileIO.java</a:t>
             </a:r>
             <a:endParaRPr lang="en-US" dirty="0"/>
@@ -4835,10 +4801,9 @@
               <a:defRPr/>
             </a:pPr>
             <a:r>
-              <a:rPr lang="en-US" smtClean="0"/>
+              <a:rPr lang="en-US"/>
               <a:t>Murach's Android Programming, C10</a:t>
             </a:r>
-            <a:endParaRPr lang="en-US"/>
           </a:p>
         </p:txBody>
       </p:sp>
@@ -4866,10 +4831,9 @@
               <a:defRPr/>
             </a:pPr>
             <a:r>
-              <a:rPr lang="en-US" smtClean="0"/>
+              <a:rPr lang="en-US"/>
               <a:t>© 2013, Mike Murach &amp; Associates, Inc.</a:t>
             </a:r>
-            <a:endParaRPr lang="en-US"/>
           </a:p>
         </p:txBody>
       </p:sp>
@@ -4896,14 +4860,14 @@
             <a:pPr>
               <a:defRPr/>
             </a:pPr>
-            <a:endParaRPr lang="en-US" smtClean="0"/>
+            <a:endParaRPr lang="en-US"/>
           </a:p>
           <a:p>
             <a:pPr algn="r">
               <a:defRPr/>
             </a:pPr>
             <a:r>
-              <a:rPr lang="en-US" sz="900" smtClean="0">
+              <a:rPr lang="en-US" sz="900">
                 <a:latin typeface="Arial Narrow" pitchFamily="34" charset="0"/>
               </a:rPr>
               <a:t>Slide </a:t>
@@ -4945,7 +4909,7 @@
           <a:graphicData uri="http://schemas.openxmlformats.org/presentationml/2006/ole">
             <mc:AlternateContent xmlns:mc="http://schemas.openxmlformats.org/markup-compatibility/2006">
               <mc:Choice xmlns:v="urn:schemas-microsoft-com:vml" Requires="v">
-                <p:oleObj spid="_x0000_s1045" name="Document" r:id="rId3" imgW="7404100" imgH="3644900" progId="Word.Document.12">
+                <p:oleObj spid="_x0000_s1046" name="Document" r:id="rId3" imgW="7404100" imgH="3644900" progId="Word.Document.12">
                   <p:embed/>
                 </p:oleObj>
               </mc:Choice>
@@ -5003,11 +4967,11 @@
           <a:lstStyle/>
           <a:p>
             <a:r>
-              <a:rPr lang="en-US" dirty="0" smtClean="0"/>
+              <a:rPr lang="en-US" dirty="0"/>
               <a:t>Summary of code in </a:t>
             </a:r>
             <a:r>
-              <a:rPr lang="en-US" dirty="0" err="1" smtClean="0"/>
+              <a:rPr lang="en-US" dirty="0" err="1"/>
               <a:t>FileIO.java</a:t>
             </a:r>
             <a:endParaRPr lang="en-US" dirty="0"/>
@@ -5068,10 +5032,9 @@
               <a:defRPr/>
             </a:pPr>
             <a:r>
-              <a:rPr lang="en-US" smtClean="0"/>
+              <a:rPr lang="en-US"/>
               <a:t>Murach's Android Programming, C10</a:t>
             </a:r>
-            <a:endParaRPr lang="en-US"/>
           </a:p>
         </p:txBody>
       </p:sp>
@@ -5099,10 +5062,9 @@
               <a:defRPr/>
             </a:pPr>
             <a:r>
-              <a:rPr lang="en-US" smtClean="0"/>
+              <a:rPr lang="en-US"/>
               <a:t>© 2013, Mike Murach &amp; Associates, Inc.</a:t>
             </a:r>
-            <a:endParaRPr lang="en-US"/>
           </a:p>
         </p:txBody>
       </p:sp>
@@ -5129,14 +5091,14 @@
             <a:pPr>
               <a:defRPr/>
             </a:pPr>
-            <a:endParaRPr lang="en-US" smtClean="0"/>
+            <a:endParaRPr lang="en-US"/>
           </a:p>
           <a:p>
             <a:pPr algn="r">
               <a:defRPr/>
             </a:pPr>
             <a:r>
-              <a:rPr lang="en-US" sz="900" smtClean="0">
+              <a:rPr lang="en-US" sz="900">
                 <a:latin typeface="Arial Narrow" pitchFamily="34" charset="0"/>
               </a:rPr>
               <a:t>Slide </a:t>
@@ -5277,10 +5239,9 @@
               <a:defRPr/>
             </a:pPr>
             <a:r>
-              <a:rPr lang="en-US" smtClean="0"/>
+              <a:rPr lang="en-US"/>
               <a:t>Murach's Android Programming, C10</a:t>
             </a:r>
-            <a:endParaRPr lang="en-US"/>
           </a:p>
         </p:txBody>
       </p:sp>
@@ -5405,10 +5366,9 @@
               <a:defRPr/>
             </a:pPr>
             <a:r>
-              <a:rPr lang="en-US" smtClean="0"/>
+              <a:rPr lang="en-US"/>
               <a:t>© 2013, Mike Murach &amp; Associates, Inc.</a:t>
             </a:r>
-            <a:endParaRPr lang="en-US"/>
           </a:p>
         </p:txBody>
       </p:sp>
@@ -5532,14 +5492,14 @@
             <a:pPr>
               <a:defRPr/>
             </a:pPr>
-            <a:endParaRPr lang="en-US" smtClean="0"/>
+            <a:endParaRPr lang="en-US"/>
           </a:p>
           <a:p>
             <a:pPr>
               <a:defRPr/>
             </a:pPr>
             <a:r>
-              <a:rPr lang="en-US" sz="900" smtClean="0">
+              <a:rPr lang="en-US" sz="900">
                 <a:latin typeface="Arial Narrow" pitchFamily="34" charset="0"/>
               </a:rPr>
               <a:t>Slide </a:t>
@@ -5581,7 +5541,7 @@
           <a:graphicData uri="http://schemas.openxmlformats.org/presentationml/2006/ole">
             <mc:AlternateContent xmlns:mc="http://schemas.openxmlformats.org/markup-compatibility/2006">
               <mc:Choice xmlns:v="urn:schemas-microsoft-com:vml" Requires="v">
-                <p:oleObj spid="_x0000_s7189" name="Document" r:id="rId3" imgW="7518400" imgH="5257800" progId="Word.Document.12">
+                <p:oleObj spid="_x0000_s7190" name="Document" r:id="rId3" imgW="7518400" imgH="5257800" progId="Word.Document.12">
                   <p:embed/>
                 </p:oleObj>
               </mc:Choice>
@@ -5690,18 +5650,13 @@
           <a:lstStyle/>
           <a:p>
             <a:r>
-              <a:rPr lang="en-US" dirty="0" smtClean="0">
+              <a:rPr lang="en-US" dirty="0">
                 <a:solidFill>
                   <a:srgbClr val="0000FF"/>
                 </a:solidFill>
               </a:rPr>
               <a:t>Exercise: Android Device Monitor</a:t>
             </a:r>
-            <a:endParaRPr lang="en-US" dirty="0">
-              <a:solidFill>
-                <a:srgbClr val="0000FF"/>
-              </a:solidFill>
-            </a:endParaRPr>
           </a:p>
         </p:txBody>
       </p:sp>
@@ -5731,19 +5686,15 @@
               <a:buNone/>
             </a:pPr>
             <a:r>
-              <a:rPr lang="en-US" dirty="0" smtClean="0"/>
-              <a:t>View the file,</a:t>
-            </a:r>
-            <a:r>
-              <a:rPr lang="en-US" dirty="0"/>
-              <a:t> </a:t>
-            </a:r>
-            <a:r>
-              <a:rPr lang="en-US" i="1" dirty="0" err="1" smtClean="0"/>
+              <a:rPr lang="en-US" dirty="0"/>
+              <a:t>View the file, </a:t>
+            </a:r>
+            <a:r>
+              <a:rPr lang="en-US" i="1" dirty="0" err="1"/>
               <a:t>news_feed.xml</a:t>
             </a:r>
             <a:r>
-              <a:rPr lang="en-US" dirty="0" smtClean="0"/>
+              <a:rPr lang="en-US" dirty="0"/>
               <a:t>, downloaded from the internet by the Newsreader app.</a:t>
             </a:r>
           </a:p>
@@ -5753,42 +5704,42 @@
               <a:buAutoNum type="arabicPeriod"/>
             </a:pPr>
             <a:r>
-              <a:rPr lang="en-US" dirty="0" smtClean="0"/>
+              <a:rPr lang="en-US" dirty="0"/>
               <a:t>Start the Android Device Monitor</a:t>
             </a:r>
           </a:p>
           <a:p>
             <a:pPr marL="914400" lvl="1" indent="-514350"/>
             <a:r>
-              <a:rPr lang="en-US" dirty="0" smtClean="0"/>
+              <a:rPr lang="en-US" dirty="0"/>
               <a:t>In Android Studio, on the </a:t>
             </a:r>
             <a:r>
-              <a:rPr lang="en-US" i="1" dirty="0" smtClean="0"/>
+              <a:rPr lang="en-US" i="1" dirty="0"/>
               <a:t>Tools</a:t>
             </a:r>
             <a:r>
-              <a:rPr lang="en-US" dirty="0" smtClean="0"/>
+              <a:rPr lang="en-US" dirty="0"/>
               <a:t> menu, select </a:t>
             </a:r>
             <a:r>
-              <a:rPr lang="en-US" i="1" dirty="0" smtClean="0"/>
+              <a:rPr lang="en-US" i="1" dirty="0"/>
               <a:t>Android</a:t>
             </a:r>
             <a:r>
-              <a:rPr lang="en-US" dirty="0" smtClean="0"/>
+              <a:rPr lang="en-US" dirty="0"/>
               <a:t>, </a:t>
             </a:r>
             <a:r>
-              <a:rPr lang="en-US" i="1" dirty="0" smtClean="0"/>
+              <a:rPr lang="en-US" i="1" dirty="0"/>
               <a:t>Android Device Monitor</a:t>
             </a:r>
           </a:p>
           <a:p>
-            <a:endParaRPr lang="en-US" dirty="0" smtClean="0"/>
-          </a:p>
-          <a:p>
-            <a:endParaRPr lang="en-US" dirty="0" smtClean="0"/>
+            <a:endParaRPr lang="en-US" dirty="0"/>
+          </a:p>
+          <a:p>
+            <a:endParaRPr lang="en-US" dirty="0"/>
           </a:p>
         </p:txBody>
       </p:sp>
@@ -5892,7 +5843,7 @@
           <a:lstStyle/>
           <a:p>
             <a:r>
-              <a:rPr lang="en-US" dirty="0" smtClean="0">
+              <a:rPr lang="en-US" dirty="0">
                 <a:solidFill>
                   <a:srgbClr val="0000FF"/>
                 </a:solidFill>
@@ -5900,25 +5851,20 @@
               <a:t>Exercise: Android Device Monitor</a:t>
             </a:r>
             <a:br>
-              <a:rPr lang="en-US" dirty="0" smtClean="0">
+              <a:rPr lang="en-US" dirty="0">
                 <a:solidFill>
                   <a:srgbClr val="0000FF"/>
                 </a:solidFill>
               </a:rPr>
             </a:br>
             <a:r>
-              <a:rPr lang="en-US" dirty="0" smtClean="0">
+              <a:rPr lang="en-US" dirty="0">
                 <a:solidFill>
                   <a:srgbClr val="0000FF"/>
                 </a:solidFill>
               </a:rPr>
               <a:t>(Continued)</a:t>
             </a:r>
-            <a:endParaRPr lang="en-US" dirty="0">
-              <a:solidFill>
-                <a:srgbClr val="0000FF"/>
-              </a:solidFill>
-            </a:endParaRPr>
           </a:p>
         </p:txBody>
       </p:sp>
@@ -5949,7 +5895,7 @@
               <a:buAutoNum type="arabicPeriod" startAt="2"/>
             </a:pPr>
             <a:r>
-              <a:rPr lang="en-US" dirty="0" smtClean="0"/>
+              <a:rPr lang="en-US" dirty="0"/>
               <a:t>Find the file that was downloaded from the internet</a:t>
             </a:r>
           </a:p>
@@ -5959,15 +5905,15 @@
               <a:buAutoNum type="alphaLcPeriod"/>
             </a:pPr>
             <a:r>
-              <a:rPr lang="en-US" dirty="0" smtClean="0"/>
+              <a:rPr lang="en-US" dirty="0"/>
               <a:t>In Android Device Monitor, select the </a:t>
             </a:r>
             <a:r>
-              <a:rPr lang="en-US" i="1" dirty="0" smtClean="0"/>
+              <a:rPr lang="en-US" i="1" dirty="0"/>
               <a:t>File Explorer</a:t>
             </a:r>
             <a:r>
-              <a:rPr lang="en-US" dirty="0" smtClean="0"/>
+              <a:rPr lang="en-US" dirty="0"/>
               <a:t> tab</a:t>
             </a:r>
           </a:p>
@@ -5977,19 +5923,19 @@
               <a:buAutoNum type="alphaLcPeriod"/>
             </a:pPr>
             <a:r>
-              <a:rPr lang="en-US" dirty="0" smtClean="0"/>
+              <a:rPr lang="en-US" dirty="0"/>
               <a:t>Open the path</a:t>
             </a:r>
             <a:r>
-              <a:rPr lang="en-US" i="1" dirty="0" smtClean="0"/>
+              <a:rPr lang="en-US" i="1" dirty="0"/>
               <a:t>: data/data/</a:t>
             </a:r>
             <a:r>
-              <a:rPr lang="en-US" i="1" dirty="0" err="1" smtClean="0"/>
+              <a:rPr lang="en-US" i="1" dirty="0" err="1"/>
               <a:t>com.murach.newsreader</a:t>
             </a:r>
             <a:r>
-              <a:rPr lang="en-US" i="1" dirty="0" smtClean="0"/>
+              <a:rPr lang="en-US" i="1" dirty="0"/>
               <a:t>/files/</a:t>
             </a:r>
           </a:p>
@@ -5999,14 +5945,14 @@
               <a:buAutoNum type="alphaLcPeriod"/>
             </a:pPr>
             <a:r>
-              <a:rPr lang="en-US" dirty="0" smtClean="0"/>
+              <a:rPr lang="en-US" dirty="0"/>
               <a:t>Select </a:t>
             </a:r>
             <a:r>
-              <a:rPr lang="en-US" i="1" dirty="0" err="1" smtClean="0"/>
+              <a:rPr lang="en-US" i="1" dirty="0" err="1"/>
               <a:t>news_feed.xml</a:t>
             </a:r>
-            <a:endParaRPr lang="en-US" i="1" dirty="0" smtClean="0"/>
+            <a:endParaRPr lang="en-US" i="1" dirty="0"/>
           </a:p>
           <a:p>
             <a:pPr marL="514350" indent="-514350">
@@ -6014,15 +5960,15 @@
               <a:buAutoNum type="arabicPeriod" startAt="2"/>
             </a:pPr>
             <a:r>
-              <a:rPr lang="en-US" dirty="0" smtClean="0"/>
+              <a:rPr lang="en-US" dirty="0"/>
               <a:t>Click on the </a:t>
             </a:r>
             <a:r>
-              <a:rPr lang="en-US" i="1" dirty="0" smtClean="0"/>
+              <a:rPr lang="en-US" i="1" dirty="0"/>
               <a:t>Pull a file from the device </a:t>
             </a:r>
             <a:r>
-              <a:rPr lang="en-US" dirty="0" smtClean="0"/>
+              <a:rPr lang="en-US" dirty="0"/>
               <a:t>button</a:t>
             </a:r>
           </a:p>
@@ -6032,15 +5978,15 @@
               <a:buAutoNum type="arabicPeriod" startAt="2"/>
             </a:pPr>
             <a:r>
-              <a:rPr lang="en-US" dirty="0" smtClean="0"/>
+              <a:rPr lang="en-US" dirty="0"/>
               <a:t>View the file</a:t>
             </a:r>
           </a:p>
           <a:p>
-            <a:endParaRPr lang="en-US" dirty="0" smtClean="0"/>
-          </a:p>
-          <a:p>
-            <a:endParaRPr lang="en-US" dirty="0" smtClean="0"/>
+            <a:endParaRPr lang="en-US" dirty="0"/>
+          </a:p>
+          <a:p>
+            <a:endParaRPr lang="en-US" dirty="0"/>
           </a:p>
         </p:txBody>
       </p:sp>
@@ -6118,18 +6064,13 @@
           <a:lstStyle/>
           <a:p>
             <a:r>
-              <a:rPr lang="en-US" dirty="0" smtClean="0">
+              <a:rPr lang="en-US" dirty="0">
                 <a:solidFill>
                   <a:srgbClr val="0000FF"/>
                 </a:solidFill>
               </a:rPr>
-              <a:t>Code Tour</a:t>
-            </a:r>
-            <a:endParaRPr lang="en-US" dirty="0">
-              <a:solidFill>
-                <a:srgbClr val="0000FF"/>
-              </a:solidFill>
-            </a:endParaRPr>
+              <a:t>Code Tour (continued)</a:t>
+            </a:r>
           </a:p>
         </p:txBody>
       </p:sp>
@@ -6156,24 +6097,24 @@
           <a:lstStyle/>
           <a:p>
             <a:r>
-              <a:rPr lang="en-US" dirty="0" smtClean="0"/>
+              <a:rPr lang="en-US" dirty="0"/>
               <a:t>In the Ch. 10 RSS Feed Reader App</a:t>
             </a:r>
           </a:p>
           <a:p>
             <a:r>
-              <a:rPr lang="en-US" dirty="0" smtClean="0"/>
+              <a:rPr lang="en-US" dirty="0"/>
               <a:t>Look at </a:t>
             </a:r>
             <a:r>
-              <a:rPr lang="en-US" dirty="0" err="1" smtClean="0"/>
+              <a:rPr lang="en-US" dirty="0" err="1"/>
               <a:t>RSSFeedHandler.java</a:t>
             </a:r>
-            <a:endParaRPr lang="en-US" dirty="0" smtClean="0"/>
-          </a:p>
-          <a:p>
-            <a:r>
-              <a:rPr lang="en-US" dirty="0" smtClean="0"/>
+            <a:endParaRPr lang="en-US" dirty="0"/>
+          </a:p>
+          <a:p>
+            <a:r>
+              <a:rPr lang="en-US" dirty="0"/>
               <a:t>Put breakpoints in the call-back methods. They will be called in this sequence:</a:t>
             </a:r>
           </a:p>
@@ -6183,11 +6124,11 @@
               <a:buAutoNum type="arabicPeriod"/>
             </a:pPr>
             <a:r>
-              <a:rPr lang="en-US" i="1" dirty="0" err="1" smtClean="0"/>
+              <a:rPr lang="en-US" i="1" dirty="0" err="1"/>
               <a:t>startDocument</a:t>
             </a:r>
             <a:r>
-              <a:rPr lang="en-US" dirty="0" smtClean="0"/>
+              <a:rPr lang="en-US" dirty="0"/>
               <a:t> is called once</a:t>
             </a:r>
           </a:p>
@@ -6197,7 +6138,7 @@
               <a:buAutoNum type="arabicPeriod"/>
             </a:pPr>
             <a:r>
-              <a:rPr lang="en-US" dirty="0" smtClean="0"/>
+              <a:rPr lang="en-US" dirty="0"/>
               <a:t>Then these are called repeatedly:</a:t>
             </a:r>
           </a:p>
@@ -6207,15 +6148,15 @@
               <a:buAutoNum type="arabicPeriod"/>
             </a:pPr>
             <a:r>
-              <a:rPr lang="en-US" i="1" dirty="0" err="1" smtClean="0"/>
+              <a:rPr lang="en-US" i="1" dirty="0" err="1"/>
               <a:t>startElement</a:t>
             </a:r>
             <a:r>
-              <a:rPr lang="en-US" i="1" dirty="0" smtClean="0"/>
+              <a:rPr lang="en-US" i="1" dirty="0"/>
               <a:t> </a:t>
             </a:r>
             <a:r>
-              <a:rPr lang="en-US" dirty="0" smtClean="0"/>
+              <a:rPr lang="en-US" dirty="0"/>
               <a:t>- called for each XML element</a:t>
             </a:r>
           </a:p>
@@ -6225,11 +6166,11 @@
               <a:buAutoNum type="arabicPeriod"/>
             </a:pPr>
             <a:r>
-              <a:rPr lang="en-US" i="1" dirty="0" smtClean="0"/>
+              <a:rPr lang="en-US" i="1" dirty="0"/>
               <a:t>characters </a:t>
             </a:r>
             <a:r>
-              <a:rPr lang="en-US" dirty="0" smtClean="0"/>
+              <a:rPr lang="en-US" dirty="0"/>
               <a:t>- called for each element with a value</a:t>
             </a:r>
           </a:p>
@@ -6239,22 +6180,22 @@
               <a:buAutoNum type="arabicPeriod"/>
             </a:pPr>
             <a:r>
-              <a:rPr lang="en-US" i="1" dirty="0" err="1" smtClean="0"/>
+              <a:rPr lang="en-US" i="1" dirty="0" err="1"/>
               <a:t>endElement</a:t>
             </a:r>
             <a:r>
-              <a:rPr lang="en-US" i="1" dirty="0" smtClean="0"/>
+              <a:rPr lang="en-US" i="1" dirty="0"/>
               <a:t> </a:t>
             </a:r>
             <a:r>
-              <a:rPr lang="en-US" dirty="0" smtClean="0"/>
+              <a:rPr lang="en-US" dirty="0"/>
               <a:t>– called for each </a:t>
             </a:r>
             <a:r>
-              <a:rPr lang="en-US" smtClean="0"/>
+              <a:rPr lang="en-US"/>
               <a:t>XML element</a:t>
             </a:r>
-            <a:endParaRPr lang="en-US" dirty="0" smtClean="0"/>
+            <a:endParaRPr lang="en-US" dirty="0"/>
           </a:p>
         </p:txBody>
       </p:sp>
@@ -6312,10 +6253,9 @@
               <a:defRPr/>
             </a:pPr>
             <a:r>
-              <a:rPr lang="en-US" smtClean="0"/>
+              <a:rPr lang="en-US"/>
               <a:t>Murach's Android Programming, C10</a:t>
             </a:r>
-            <a:endParaRPr lang="en-US"/>
           </a:p>
         </p:txBody>
       </p:sp>
@@ -6343,10 +6283,9 @@
               <a:defRPr/>
             </a:pPr>
             <a:r>
-              <a:rPr lang="en-US" smtClean="0"/>
+              <a:rPr lang="en-US"/>
               <a:t>© 2013, Mike Murach &amp; Associates, Inc.</a:t>
             </a:r>
-            <a:endParaRPr lang="en-US"/>
           </a:p>
         </p:txBody>
       </p:sp>
@@ -6373,14 +6312,14 @@
             <a:pPr>
               <a:defRPr/>
             </a:pPr>
-            <a:endParaRPr lang="en-US" smtClean="0"/>
+            <a:endParaRPr lang="en-US"/>
           </a:p>
           <a:p>
             <a:pPr algn="r">
               <a:defRPr/>
             </a:pPr>
             <a:r>
-              <a:rPr lang="en-US" sz="900" smtClean="0">
+              <a:rPr lang="en-US" sz="900">
                 <a:latin typeface="Arial Narrow" pitchFamily="34" charset="0"/>
               </a:rPr>
               <a:t>Slide </a:t>
@@ -6422,7 +6361,7 @@
           <a:graphicData uri="http://schemas.openxmlformats.org/presentationml/2006/ole">
             <mc:AlternateContent xmlns:mc="http://schemas.openxmlformats.org/markup-compatibility/2006">
               <mc:Choice xmlns:v="urn:schemas-microsoft-com:vml" Requires="v">
-                <p:oleObj spid="_x0000_s8213" name="Document" r:id="rId3" imgW="6959600" imgH="5003800" progId="Word.Document.12">
+                <p:oleObj spid="_x0000_s8214" name="Document" r:id="rId3" imgW="6959600" imgH="5003800" progId="Word.Document.12">
                   <p:embed/>
                 </p:oleObj>
               </mc:Choice>
@@ -6511,10 +6450,9 @@
               <a:defRPr/>
             </a:pPr>
             <a:r>
-              <a:rPr lang="en-US" smtClean="0"/>
+              <a:rPr lang="en-US"/>
               <a:t>Murach's Android Programming, C10</a:t>
             </a:r>
-            <a:endParaRPr lang="en-US"/>
           </a:p>
         </p:txBody>
       </p:sp>
@@ -6542,10 +6480,9 @@
               <a:defRPr/>
             </a:pPr>
             <a:r>
-              <a:rPr lang="en-US" smtClean="0"/>
+              <a:rPr lang="en-US"/>
               <a:t>© 2013, Mike Murach &amp; Associates, Inc.</a:t>
             </a:r>
-            <a:endParaRPr lang="en-US"/>
           </a:p>
         </p:txBody>
       </p:sp>
@@ -6572,14 +6509,14 @@
             <a:pPr>
               <a:defRPr/>
             </a:pPr>
-            <a:endParaRPr lang="en-US" smtClean="0"/>
+            <a:endParaRPr lang="en-US"/>
           </a:p>
           <a:p>
             <a:pPr algn="r">
               <a:defRPr/>
             </a:pPr>
             <a:r>
-              <a:rPr lang="en-US" sz="900" smtClean="0">
+              <a:rPr lang="en-US" sz="900">
                 <a:latin typeface="Arial Narrow" pitchFamily="34" charset="0"/>
               </a:rPr>
               <a:t>Slide </a:t>
@@ -6621,7 +6558,7 @@
           <a:graphicData uri="http://schemas.openxmlformats.org/presentationml/2006/ole">
             <mc:AlternateContent xmlns:mc="http://schemas.openxmlformats.org/markup-compatibility/2006">
               <mc:Choice xmlns:v="urn:schemas-microsoft-com:vml" Requires="v">
-                <p:oleObj spid="_x0000_s9235" name="Document" r:id="rId3" imgW="7385143" imgH="5153726" progId="Word.Document.12">
+                <p:oleObj spid="_x0000_s9236" name="Document" r:id="rId3" imgW="7385143" imgH="5153726" progId="Word.Document.12">
                   <p:embed/>
                 </p:oleObj>
               </mc:Choice>
@@ -6710,10 +6647,9 @@
               <a:defRPr/>
             </a:pPr>
             <a:r>
-              <a:rPr lang="en-US" smtClean="0"/>
+              <a:rPr lang="en-US"/>
               <a:t>Murach's Android Programming, C10</a:t>
             </a:r>
-            <a:endParaRPr lang="en-US"/>
           </a:p>
         </p:txBody>
       </p:sp>
@@ -6741,10 +6677,9 @@
               <a:defRPr/>
             </a:pPr>
             <a:r>
-              <a:rPr lang="en-US" smtClean="0"/>
+              <a:rPr lang="en-US"/>
               <a:t>© 2013, Mike Murach &amp; Associates, Inc.</a:t>
             </a:r>
-            <a:endParaRPr lang="en-US"/>
           </a:p>
         </p:txBody>
       </p:sp>
@@ -6771,14 +6706,14 @@
             <a:pPr>
               <a:defRPr/>
             </a:pPr>
-            <a:endParaRPr lang="en-US" smtClean="0"/>
+            <a:endParaRPr lang="en-US"/>
           </a:p>
           <a:p>
             <a:pPr algn="r">
               <a:defRPr/>
             </a:pPr>
             <a:r>
-              <a:rPr lang="en-US" sz="900" smtClean="0">
+              <a:rPr lang="en-US" sz="900">
                 <a:latin typeface="Arial Narrow" pitchFamily="34" charset="0"/>
               </a:rPr>
               <a:t>Slide </a:t>
@@ -6820,7 +6755,7 @@
           <a:graphicData uri="http://schemas.openxmlformats.org/presentationml/2006/ole">
             <mc:AlternateContent xmlns:mc="http://schemas.openxmlformats.org/markup-compatibility/2006">
               <mc:Choice xmlns:v="urn:schemas-microsoft-com:vml" Requires="v">
-                <p:oleObj spid="_x0000_s10259" name="Document" r:id="rId3" imgW="7309115" imgH="4326518" progId="Word.Document.12">
+                <p:oleObj spid="_x0000_s10260" name="Document" r:id="rId3" imgW="7309115" imgH="4326518" progId="Word.Document.12">
                   <p:embed/>
                 </p:oleObj>
               </mc:Choice>
@@ -6901,18 +6836,13 @@
           <a:lstStyle/>
           <a:p>
             <a:r>
-              <a:rPr lang="en-US" dirty="0" smtClean="0">
+              <a:rPr lang="en-US" dirty="0">
                 <a:solidFill>
                   <a:srgbClr val="2D2DB9"/>
                 </a:solidFill>
               </a:rPr>
               <a:t>Course Overview</a:t>
             </a:r>
-            <a:endParaRPr lang="en-US" dirty="0">
-              <a:solidFill>
-                <a:srgbClr val="2D2DB9"/>
-              </a:solidFill>
-            </a:endParaRPr>
           </a:p>
         </p:txBody>
       </p:sp>
@@ -6942,8 +6872,20 @@
                 <a:tableStyleId>{5C22544A-7EE6-4342-B048-85BDC9FD1C3A}</a:tableStyleId>
               </a:tblPr>
               <a:tblGrid>
-                <a:gridCol w="511701"/>
-                <a:gridCol w="3299499"/>
+                <a:gridCol w="511701">
+                  <a:extLst>
+                    <a:ext uri="{9D8B030D-6E8A-4147-A177-3AD203B41FA5}">
+                      <a16:colId xmlns:a16="http://schemas.microsoft.com/office/drawing/2014/main" val="20000"/>
+                    </a:ext>
+                  </a:extLst>
+                </a:gridCol>
+                <a:gridCol w="3299499">
+                  <a:extLst>
+                    <a:ext uri="{9D8B030D-6E8A-4147-A177-3AD203B41FA5}">
+                      <a16:colId xmlns:a16="http://schemas.microsoft.com/office/drawing/2014/main" val="20001"/>
+                    </a:ext>
+                  </a:extLst>
+                </a:gridCol>
               </a:tblGrid>
               <a:tr h="428284">
                 <a:tc>
@@ -6952,10 +6894,9 @@
                     <a:lstStyle/>
                     <a:p>
                       <a:r>
-                        <a:rPr lang="en-US" dirty="0" smtClean="0"/>
+                        <a:rPr lang="en-US" dirty="0"/>
                         <a:t>Wk</a:t>
                       </a:r>
-                      <a:endParaRPr lang="en-US" dirty="0"/>
                     </a:p>
                   </a:txBody>
                   <a:tcPr/>
@@ -6966,14 +6907,18 @@
                     <a:lstStyle/>
                     <a:p>
                       <a:r>
-                        <a:rPr lang="en-US" dirty="0" smtClean="0"/>
+                        <a:rPr lang="en-US" dirty="0"/>
                         <a:t>Topic</a:t>
                       </a:r>
-                      <a:endParaRPr lang="en-US" dirty="0"/>
                     </a:p>
                   </a:txBody>
                   <a:tcPr/>
                 </a:tc>
+                <a:extLst>
+                  <a:ext uri="{0D108BD9-81ED-4DB2-BD59-A6C34878D82A}">
+                    <a16:rowId xmlns:a16="http://schemas.microsoft.com/office/drawing/2014/main" val="10000"/>
+                  </a:ext>
+                </a:extLst>
               </a:tr>
               <a:tr h="428284">
                 <a:tc>
@@ -6982,10 +6927,9 @@
                     <a:lstStyle/>
                     <a:p>
                       <a:r>
-                        <a:rPr lang="en-US" sz="2800" dirty="0" smtClean="0"/>
+                        <a:rPr lang="en-US" sz="2800" dirty="0"/>
                         <a:t>1</a:t>
                       </a:r>
-                      <a:endParaRPr lang="en-US" sz="2800" dirty="0"/>
                     </a:p>
                   </a:txBody>
                   <a:tcPr/>
@@ -7013,28 +6957,33 @@
                         <a:defRPr/>
                       </a:pPr>
                       <a:r>
-                        <a:rPr lang="en-US" sz="2800" dirty="0" smtClean="0"/>
+                        <a:rPr lang="en-US" sz="2800" dirty="0"/>
                         <a:t>Intro</a:t>
                       </a:r>
                       <a:r>
-                        <a:rPr lang="en-US" sz="2800" baseline="0" dirty="0" smtClean="0"/>
+                        <a:rPr lang="en-US" sz="2800" baseline="0" dirty="0"/>
                         <a:t>,</a:t>
                       </a:r>
                       <a:r>
-                        <a:rPr lang="en-US" sz="2800" dirty="0" smtClean="0"/>
+                        <a:rPr lang="en-US" sz="2800" dirty="0"/>
                         <a:t> </a:t>
                       </a:r>
                       <a:br>
-                        <a:rPr lang="en-US" sz="2800" dirty="0" smtClean="0"/>
+                        <a:rPr lang="en-US" sz="2800" dirty="0"/>
                       </a:br>
                       <a:r>
-                        <a:rPr lang="en-US" sz="2800" dirty="0" smtClean="0"/>
+                        <a:rPr lang="en-US" sz="2800" dirty="0"/>
                         <a:t>single-screen apps</a:t>
                       </a:r>
                     </a:p>
                   </a:txBody>
                   <a:tcPr/>
                 </a:tc>
+                <a:extLst>
+                  <a:ext uri="{0D108BD9-81ED-4DB2-BD59-A6C34878D82A}">
+                    <a16:rowId xmlns:a16="http://schemas.microsoft.com/office/drawing/2014/main" val="10001"/>
+                  </a:ext>
+                </a:extLst>
               </a:tr>
               <a:tr h="428284">
                 <a:tc>
@@ -7043,10 +6992,9 @@
                     <a:lstStyle/>
                     <a:p>
                       <a:r>
-                        <a:rPr lang="en-US" sz="2800" dirty="0" smtClean="0"/>
+                        <a:rPr lang="en-US" sz="2800" dirty="0"/>
                         <a:t>1</a:t>
                       </a:r>
-                      <a:endParaRPr lang="en-US" sz="2800" dirty="0"/>
                     </a:p>
                   </a:txBody>
                   <a:tcPr/>
@@ -7074,18 +7022,23 @@
                         <a:defRPr/>
                       </a:pPr>
                       <a:r>
-                        <a:rPr lang="en-US" sz="2800" dirty="0" smtClean="0"/>
+                        <a:rPr lang="en-US" sz="2800" dirty="0"/>
                         <a:t>Activity Lifecycle, saving</a:t>
                       </a:r>
                       <a:r>
-                        <a:rPr lang="en-US" sz="2800" baseline="0" dirty="0" smtClean="0"/>
+                        <a:rPr lang="en-US" sz="2800" baseline="0" dirty="0"/>
                         <a:t> activity state</a:t>
                       </a:r>
-                      <a:endParaRPr lang="en-US" sz="2800" dirty="0" smtClean="0"/>
+                      <a:endParaRPr lang="en-US" sz="2800" dirty="0"/>
                     </a:p>
                   </a:txBody>
                   <a:tcPr/>
                 </a:tc>
+                <a:extLst>
+                  <a:ext uri="{0D108BD9-81ED-4DB2-BD59-A6C34878D82A}">
+                    <a16:rowId xmlns:a16="http://schemas.microsoft.com/office/drawing/2014/main" val="10002"/>
+                  </a:ext>
+                </a:extLst>
               </a:tr>
               <a:tr h="428284">
                 <a:tc>
@@ -7094,10 +7047,9 @@
                     <a:lstStyle/>
                     <a:p>
                       <a:r>
-                        <a:rPr lang="en-US" sz="2800" dirty="0" smtClean="0"/>
+                        <a:rPr lang="en-US" sz="2800" dirty="0"/>
                         <a:t>2</a:t>
                       </a:r>
-                      <a:endParaRPr lang="en-US" sz="2800" dirty="0"/>
                     </a:p>
                   </a:txBody>
                   <a:tcPr/>
@@ -7125,11 +7077,11 @@
                         <a:defRPr/>
                       </a:pPr>
                       <a:r>
-                        <a:rPr lang="en-US" sz="2800" dirty="0" smtClean="0"/>
+                        <a:rPr lang="en-US" sz="2800" dirty="0"/>
                         <a:t>Layouts</a:t>
                       </a:r>
                       <a:r>
-                        <a:rPr lang="en-US" sz="2800" baseline="0" dirty="0" smtClean="0"/>
+                        <a:rPr lang="en-US" sz="2800" baseline="0" dirty="0"/>
                         <a:t> + widgets,</a:t>
                       </a:r>
                     </a:p>
@@ -7152,14 +7104,19 @@
                         <a:defRPr/>
                       </a:pPr>
                       <a:r>
-                        <a:rPr lang="en-US" sz="2800" baseline="0" dirty="0" smtClean="0"/>
+                        <a:rPr lang="en-US" sz="2800" baseline="0" dirty="0"/>
                         <a:t>Event Handlers</a:t>
                       </a:r>
-                      <a:endParaRPr lang="en-US" sz="2800" dirty="0" smtClean="0"/>
+                      <a:endParaRPr lang="en-US" sz="2800" dirty="0"/>
                     </a:p>
                   </a:txBody>
                   <a:tcPr/>
                 </a:tc>
+                <a:extLst>
+                  <a:ext uri="{0D108BD9-81ED-4DB2-BD59-A6C34878D82A}">
+                    <a16:rowId xmlns:a16="http://schemas.microsoft.com/office/drawing/2014/main" val="10003"/>
+                  </a:ext>
+                </a:extLst>
               </a:tr>
               <a:tr h="428284">
                 <a:tc>
@@ -7168,10 +7125,9 @@
                     <a:lstStyle/>
                     <a:p>
                       <a:r>
-                        <a:rPr lang="en-US" sz="2800" dirty="0" smtClean="0"/>
+                        <a:rPr lang="en-US" sz="2800" dirty="0"/>
                         <a:t>2</a:t>
                       </a:r>
-                      <a:endParaRPr lang="en-US" sz="2800" dirty="0"/>
                     </a:p>
                   </a:txBody>
                   <a:tcPr>
@@ -7205,7 +7161,7 @@
                         <a:defRPr/>
                       </a:pPr>
                       <a:r>
-                        <a:rPr lang="en-US" sz="2800" u="none" baseline="0" dirty="0" smtClean="0"/>
+                        <a:rPr lang="en-US" sz="2800" u="none" baseline="0" dirty="0"/>
                         <a:t>Themes + styles,</a:t>
                       </a:r>
                     </a:p>
@@ -7228,10 +7184,10 @@
                         <a:defRPr/>
                       </a:pPr>
                       <a:r>
-                        <a:rPr lang="en-US" sz="2800" u="none" baseline="0" dirty="0" smtClean="0"/>
+                        <a:rPr lang="en-US" sz="2800" u="none" baseline="0" dirty="0"/>
                         <a:t>Menu + settings</a:t>
                       </a:r>
-                      <a:endParaRPr lang="en-US" sz="2800" u="none" dirty="0" smtClean="0"/>
+                      <a:endParaRPr lang="en-US" sz="2800" u="none" dirty="0"/>
                     </a:p>
                   </a:txBody>
                   <a:tcPr>
@@ -7242,6 +7198,11 @@
                     </a:solidFill>
                   </a:tcPr>
                 </a:tc>
+                <a:extLst>
+                  <a:ext uri="{0D108BD9-81ED-4DB2-BD59-A6C34878D82A}">
+                    <a16:rowId xmlns:a16="http://schemas.microsoft.com/office/drawing/2014/main" val="10004"/>
+                  </a:ext>
+                </a:extLst>
               </a:tr>
               <a:tr h="428284">
                 <a:tc>
@@ -7250,10 +7211,9 @@
                     <a:lstStyle/>
                     <a:p>
                       <a:r>
-                        <a:rPr lang="en-US" sz="2800" dirty="0" smtClean="0"/>
+                        <a:rPr lang="en-US" sz="2800" dirty="0"/>
                         <a:t>2</a:t>
                       </a:r>
-                      <a:endParaRPr lang="en-US" sz="2800" dirty="0"/>
                     </a:p>
                   </a:txBody>
                   <a:tcPr>
@@ -7288,14 +7248,14 @@
                         <a:defRPr/>
                       </a:pPr>
                       <a:r>
-                        <a:rPr lang="en-US" sz="2800" dirty="0" smtClean="0"/>
+                        <a:rPr lang="en-US" sz="2800" dirty="0"/>
                         <a:t>Multi-screen</a:t>
                       </a:r>
                       <a:r>
-                        <a:rPr lang="en-US" sz="2800" baseline="0" dirty="0" smtClean="0"/>
+                        <a:rPr lang="en-US" sz="2800" baseline="0" dirty="0"/>
                         <a:t> apps, </a:t>
                       </a:r>
-                      <a:endParaRPr lang="en-US" sz="2800" u="none" dirty="0" smtClean="0">
+                      <a:endParaRPr lang="en-US" sz="2800" u="none" dirty="0">
                         <a:solidFill>
                           <a:schemeClr val="tx1"/>
                         </a:solidFill>
@@ -7311,6 +7271,11 @@
                     </a:solidFill>
                   </a:tcPr>
                 </a:tc>
+                <a:extLst>
+                  <a:ext uri="{0D108BD9-81ED-4DB2-BD59-A6C34878D82A}">
+                    <a16:rowId xmlns:a16="http://schemas.microsoft.com/office/drawing/2014/main" val="10005"/>
+                  </a:ext>
+                </a:extLst>
               </a:tr>
             </a:tbl>
           </a:graphicData>
@@ -7342,8 +7307,20 @@
                 <a:tableStyleId>{5C22544A-7EE6-4342-B048-85BDC9FD1C3A}</a:tableStyleId>
               </a:tblPr>
               <a:tblGrid>
-                <a:gridCol w="589196"/>
-                <a:gridCol w="3685178"/>
+                <a:gridCol w="589196">
+                  <a:extLst>
+                    <a:ext uri="{9D8B030D-6E8A-4147-A177-3AD203B41FA5}">
+                      <a16:colId xmlns:a16="http://schemas.microsoft.com/office/drawing/2014/main" val="20000"/>
+                    </a:ext>
+                  </a:extLst>
+                </a:gridCol>
+                <a:gridCol w="3685178">
+                  <a:extLst>
+                    <a:ext uri="{9D8B030D-6E8A-4147-A177-3AD203B41FA5}">
+                      <a16:colId xmlns:a16="http://schemas.microsoft.com/office/drawing/2014/main" val="20001"/>
+                    </a:ext>
+                  </a:extLst>
+                </a:gridCol>
               </a:tblGrid>
               <a:tr h="386924">
                 <a:tc>
@@ -7352,10 +7329,9 @@
                     <a:lstStyle/>
                     <a:p>
                       <a:r>
-                        <a:rPr lang="en-US" dirty="0" smtClean="0"/>
+                        <a:rPr lang="en-US" dirty="0"/>
                         <a:t>Wk</a:t>
                       </a:r>
-                      <a:endParaRPr lang="en-US" dirty="0"/>
                     </a:p>
                   </a:txBody>
                   <a:tcPr/>
@@ -7366,14 +7342,18 @@
                     <a:lstStyle/>
                     <a:p>
                       <a:r>
-                        <a:rPr lang="en-US" dirty="0" smtClean="0"/>
+                        <a:rPr lang="en-US" dirty="0"/>
                         <a:t>Topic</a:t>
                       </a:r>
-                      <a:endParaRPr lang="en-US" dirty="0"/>
                     </a:p>
                   </a:txBody>
                   <a:tcPr/>
                 </a:tc>
+                <a:extLst>
+                  <a:ext uri="{0D108BD9-81ED-4DB2-BD59-A6C34878D82A}">
+                    <a16:rowId xmlns:a16="http://schemas.microsoft.com/office/drawing/2014/main" val="10000"/>
+                  </a:ext>
+                </a:extLst>
               </a:tr>
               <a:tr h="745418">
                 <a:tc>
@@ -7382,10 +7362,9 @@
                     <a:lstStyle/>
                     <a:p>
                       <a:r>
-                        <a:rPr lang="en-US" sz="2800" dirty="0" smtClean="0"/>
+                        <a:rPr lang="en-US" sz="2800" dirty="0"/>
                         <a:t>3</a:t>
                       </a:r>
-                      <a:endParaRPr lang="en-US" sz="2800" dirty="0"/>
                     </a:p>
                   </a:txBody>
                   <a:tcPr>
@@ -7415,14 +7394,14 @@
                         <a:defRPr/>
                       </a:pPr>
                       <a:r>
-                        <a:rPr lang="en-US" sz="2800" u="none" baseline="0" dirty="0" smtClean="0">
+                        <a:rPr lang="en-US" sz="2800" u="none" baseline="0" dirty="0">
                           <a:solidFill>
                             <a:schemeClr val="tx1"/>
                           </a:solidFill>
                         </a:rPr>
                         <a:t>Fragments</a:t>
                       </a:r>
-                      <a:endParaRPr lang="en-US" sz="2800" u="none" dirty="0" smtClean="0">
+                      <a:endParaRPr lang="en-US" sz="2800" u="none" dirty="0">
                         <a:solidFill>
                           <a:schemeClr val="tx1"/>
                         </a:solidFill>
@@ -7433,6 +7412,11 @@
                     <a:noFill/>
                   </a:tcPr>
                 </a:tc>
+                <a:extLst>
+                  <a:ext uri="{0D108BD9-81ED-4DB2-BD59-A6C34878D82A}">
+                    <a16:rowId xmlns:a16="http://schemas.microsoft.com/office/drawing/2014/main" val="10001"/>
+                  </a:ext>
+                </a:extLst>
               </a:tr>
               <a:tr h="985861">
                 <a:tc>
@@ -7441,10 +7425,9 @@
                     <a:lstStyle/>
                     <a:p>
                       <a:r>
-                        <a:rPr lang="en-US" sz="2800" dirty="0" smtClean="0"/>
+                        <a:rPr lang="en-US" sz="2800" dirty="0"/>
                         <a:t>3</a:t>
                       </a:r>
-                      <a:endParaRPr lang="en-US" sz="2800" dirty="0"/>
                     </a:p>
                   </a:txBody>
                   <a:tcPr>
@@ -7476,7 +7459,7 @@
                         <a:defRPr/>
                       </a:pPr>
                       <a:r>
-                        <a:rPr lang="en-US" sz="2800" baseline="0" dirty="0" smtClean="0"/>
+                        <a:rPr lang="en-US" sz="2800" baseline="0" dirty="0"/>
                         <a:t>Reading XML files,</a:t>
                       </a:r>
                     </a:p>
@@ -7499,10 +7482,10 @@
                         <a:defRPr/>
                       </a:pPr>
                       <a:r>
-                        <a:rPr lang="en-US" sz="2800" baseline="0" dirty="0" smtClean="0"/>
+                        <a:rPr lang="en-US" sz="2800" baseline="0" dirty="0"/>
                         <a:t>Asynch Tasks</a:t>
                       </a:r>
-                      <a:endParaRPr lang="en-US" sz="2800" dirty="0" smtClean="0"/>
+                      <a:endParaRPr lang="en-US" sz="2800" dirty="0"/>
                     </a:p>
                   </a:txBody>
                   <a:tcPr>
@@ -7511,6 +7494,11 @@
                     </a:solidFill>
                   </a:tcPr>
                 </a:tc>
+                <a:extLst>
+                  <a:ext uri="{0D108BD9-81ED-4DB2-BD59-A6C34878D82A}">
+                    <a16:rowId xmlns:a16="http://schemas.microsoft.com/office/drawing/2014/main" val="10002"/>
+                  </a:ext>
+                </a:extLst>
               </a:tr>
               <a:tr h="540633">
                 <a:tc>
@@ -7519,10 +7507,9 @@
                     <a:lstStyle/>
                     <a:p>
                       <a:r>
-                        <a:rPr lang="en-US" sz="2800" dirty="0" smtClean="0"/>
+                        <a:rPr lang="en-US" sz="2800" dirty="0"/>
                         <a:t>3</a:t>
                       </a:r>
-                      <a:endParaRPr lang="en-US" sz="2800" dirty="0"/>
                     </a:p>
                   </a:txBody>
                   <a:tcPr/>
@@ -7550,13 +7537,18 @@
                         <a:defRPr/>
                       </a:pPr>
                       <a:r>
-                        <a:rPr lang="en-US" sz="2800" dirty="0" smtClean="0"/>
+                        <a:rPr lang="en-US" sz="2800" dirty="0"/>
                         <a:t>List Views</a:t>
                       </a:r>
                     </a:p>
                   </a:txBody>
                   <a:tcPr/>
                 </a:tc>
+                <a:extLst>
+                  <a:ext uri="{0D108BD9-81ED-4DB2-BD59-A6C34878D82A}">
+                    <a16:rowId xmlns:a16="http://schemas.microsoft.com/office/drawing/2014/main" val="10003"/>
+                  </a:ext>
+                </a:extLst>
               </a:tr>
               <a:tr h="540633">
                 <a:tc>
@@ -7565,10 +7557,9 @@
                     <a:lstStyle/>
                     <a:p>
                       <a:r>
-                        <a:rPr lang="en-US" sz="2800" dirty="0" smtClean="0"/>
+                        <a:rPr lang="en-US" sz="2800" dirty="0"/>
                         <a:t>3</a:t>
                       </a:r>
-                      <a:endParaRPr lang="en-US" sz="2800" dirty="0"/>
                     </a:p>
                   </a:txBody>
                   <a:tcPr/>
@@ -7596,18 +7587,23 @@
                         <a:defRPr/>
                       </a:pPr>
                       <a:r>
-                        <a:rPr lang="en-US" sz="2800" dirty="0" smtClean="0"/>
+                        <a:rPr lang="en-US" sz="2800" dirty="0"/>
                         <a:t>SQLite</a:t>
                       </a:r>
                       <a:r>
-                        <a:rPr lang="en-US" sz="2800" baseline="0" dirty="0" smtClean="0"/>
+                        <a:rPr lang="en-US" sz="2800" baseline="0" dirty="0"/>
                         <a:t> Database</a:t>
                       </a:r>
-                      <a:endParaRPr lang="en-US" sz="2800" dirty="0" smtClean="0"/>
+                      <a:endParaRPr lang="en-US" sz="2800" dirty="0"/>
                     </a:p>
                   </a:txBody>
                   <a:tcPr/>
                 </a:tc>
+                <a:extLst>
+                  <a:ext uri="{0D108BD9-81ED-4DB2-BD59-A6C34878D82A}">
+                    <a16:rowId xmlns:a16="http://schemas.microsoft.com/office/drawing/2014/main" val="10004"/>
+                  </a:ext>
+                </a:extLst>
               </a:tr>
               <a:tr h="985861">
                 <a:tc>
@@ -7616,10 +7612,9 @@
                     <a:lstStyle/>
                     <a:p>
                       <a:r>
-                        <a:rPr lang="en-US" sz="2800" dirty="0" smtClean="0"/>
+                        <a:rPr lang="en-US" sz="2800" dirty="0"/>
                         <a:t>4</a:t>
                       </a:r>
-                      <a:endParaRPr lang="en-US" sz="2800" dirty="0"/>
                     </a:p>
                   </a:txBody>
                   <a:tcPr/>
@@ -7647,13 +7642,18 @@
                         <a:defRPr/>
                       </a:pPr>
                       <a:r>
-                        <a:rPr lang="en-US" sz="2800" dirty="0" smtClean="0"/>
+                        <a:rPr lang="en-US" sz="2800" dirty="0"/>
                         <a:t>Consuming a web service</a:t>
                       </a:r>
                     </a:p>
                   </a:txBody>
                   <a:tcPr/>
                 </a:tc>
+                <a:extLst>
+                  <a:ext uri="{0D108BD9-81ED-4DB2-BD59-A6C34878D82A}">
+                    <a16:rowId xmlns:a16="http://schemas.microsoft.com/office/drawing/2014/main" val="10005"/>
+                  </a:ext>
+                </a:extLst>
               </a:tr>
               <a:tr h="540633">
                 <a:tc>
@@ -7662,10 +7662,9 @@
                     <a:lstStyle/>
                     <a:p>
                       <a:r>
-                        <a:rPr lang="en-US" sz="2800" dirty="0" smtClean="0"/>
+                        <a:rPr lang="en-US" sz="2800" dirty="0"/>
                         <a:t>4</a:t>
                       </a:r>
-                      <a:endParaRPr lang="en-US" sz="2800" dirty="0"/>
                     </a:p>
                   </a:txBody>
                   <a:tcPr/>
@@ -7693,13 +7692,18 @@
                         <a:defRPr/>
                       </a:pPr>
                       <a:r>
-                        <a:rPr lang="en-US" sz="2800" dirty="0" smtClean="0"/>
+                        <a:rPr lang="en-US" sz="2800" dirty="0"/>
                         <a:t>Geolocation</a:t>
                       </a:r>
                     </a:p>
                   </a:txBody>
                   <a:tcPr/>
                 </a:tc>
+                <a:extLst>
+                  <a:ext uri="{0D108BD9-81ED-4DB2-BD59-A6C34878D82A}">
+                    <a16:rowId xmlns:a16="http://schemas.microsoft.com/office/drawing/2014/main" val="10006"/>
+                  </a:ext>
+                </a:extLst>
               </a:tr>
             </a:tbl>
           </a:graphicData>
@@ -7759,10 +7763,9 @@
               <a:defRPr/>
             </a:pPr>
             <a:r>
-              <a:rPr lang="en-US" smtClean="0"/>
+              <a:rPr lang="en-US"/>
               <a:t>Murach's Android Programming, C10</a:t>
             </a:r>
-            <a:endParaRPr lang="en-US"/>
           </a:p>
         </p:txBody>
       </p:sp>
@@ -7790,10 +7793,9 @@
               <a:defRPr/>
             </a:pPr>
             <a:r>
-              <a:rPr lang="en-US" smtClean="0"/>
+              <a:rPr lang="en-US"/>
               <a:t>© 2013, Mike Murach &amp; Associates, Inc.</a:t>
             </a:r>
-            <a:endParaRPr lang="en-US"/>
           </a:p>
         </p:txBody>
       </p:sp>
@@ -7820,14 +7822,14 @@
             <a:pPr>
               <a:defRPr/>
             </a:pPr>
-            <a:endParaRPr lang="en-US" smtClean="0"/>
+            <a:endParaRPr lang="en-US"/>
           </a:p>
           <a:p>
             <a:pPr algn="r">
               <a:defRPr/>
             </a:pPr>
             <a:r>
-              <a:rPr lang="en-US" sz="900" smtClean="0">
+              <a:rPr lang="en-US" sz="900">
                 <a:latin typeface="Arial Narrow" pitchFamily="34" charset="0"/>
               </a:rPr>
               <a:t>Slide </a:t>
@@ -7869,7 +7871,7 @@
           <a:graphicData uri="http://schemas.openxmlformats.org/presentationml/2006/ole">
             <mc:AlternateContent xmlns:mc="http://schemas.openxmlformats.org/markup-compatibility/2006">
               <mc:Choice xmlns:v="urn:schemas-microsoft-com:vml" Requires="v">
-                <p:oleObj spid="_x0000_s11283" name="Document" r:id="rId3" imgW="6864119" imgH="4678614" progId="Word.Document.12">
+                <p:oleObj spid="_x0000_s11284" name="Document" r:id="rId3" imgW="6864119" imgH="4678614" progId="Word.Document.12">
                   <p:embed/>
                 </p:oleObj>
               </mc:Choice>
@@ -7958,10 +7960,9 @@
               <a:defRPr/>
             </a:pPr>
             <a:r>
-              <a:rPr lang="en-US" smtClean="0"/>
+              <a:rPr lang="en-US"/>
               <a:t>Murach's Android Programming, C10</a:t>
             </a:r>
-            <a:endParaRPr lang="en-US"/>
           </a:p>
         </p:txBody>
       </p:sp>
@@ -7989,10 +7990,9 @@
               <a:defRPr/>
             </a:pPr>
             <a:r>
-              <a:rPr lang="en-US" smtClean="0"/>
+              <a:rPr lang="en-US"/>
               <a:t>© 2013, Mike Murach &amp; Associates, Inc.</a:t>
             </a:r>
-            <a:endParaRPr lang="en-US"/>
           </a:p>
         </p:txBody>
       </p:sp>
@@ -8019,14 +8019,14 @@
             <a:pPr>
               <a:defRPr/>
             </a:pPr>
-            <a:endParaRPr lang="en-US" smtClean="0"/>
+            <a:endParaRPr lang="en-US"/>
           </a:p>
           <a:p>
             <a:pPr algn="r">
               <a:defRPr/>
             </a:pPr>
             <a:r>
-              <a:rPr lang="en-US" sz="900" smtClean="0">
+              <a:rPr lang="en-US" sz="900">
                 <a:latin typeface="Arial Narrow" pitchFamily="34" charset="0"/>
               </a:rPr>
               <a:t>Slide </a:t>
@@ -8068,7 +8068,7 @@
           <a:graphicData uri="http://schemas.openxmlformats.org/presentationml/2006/ole">
             <mc:AlternateContent xmlns:mc="http://schemas.openxmlformats.org/markup-compatibility/2006">
               <mc:Choice xmlns:v="urn:schemas-microsoft-com:vml" Requires="v">
-                <p:oleObj spid="_x0000_s12307" name="Document" r:id="rId3" imgW="6864119" imgH="2858612" progId="Word.Document.12">
+                <p:oleObj spid="_x0000_s12308" name="Document" r:id="rId3" imgW="6864119" imgH="2858612" progId="Word.Document.12">
                   <p:embed/>
                 </p:oleObj>
               </mc:Choice>
@@ -8157,10 +8157,9 @@
               <a:defRPr/>
             </a:pPr>
             <a:r>
-              <a:rPr lang="en-US" smtClean="0"/>
+              <a:rPr lang="en-US"/>
               <a:t>Murach's Android Programming, C10</a:t>
             </a:r>
-            <a:endParaRPr lang="en-US"/>
           </a:p>
         </p:txBody>
       </p:sp>
@@ -8188,10 +8187,9 @@
               <a:defRPr/>
             </a:pPr>
             <a:r>
-              <a:rPr lang="en-US" smtClean="0"/>
+              <a:rPr lang="en-US"/>
               <a:t>© 2013, Mike Murach &amp; Associates, Inc.</a:t>
             </a:r>
-            <a:endParaRPr lang="en-US"/>
           </a:p>
         </p:txBody>
       </p:sp>
@@ -8218,14 +8216,14 @@
             <a:pPr>
               <a:defRPr/>
             </a:pPr>
-            <a:endParaRPr lang="en-US" smtClean="0"/>
+            <a:endParaRPr lang="en-US"/>
           </a:p>
           <a:p>
             <a:pPr algn="r">
               <a:defRPr/>
             </a:pPr>
             <a:r>
-              <a:rPr lang="en-US" sz="900" smtClean="0">
+              <a:rPr lang="en-US" sz="900">
                 <a:latin typeface="Arial Narrow" pitchFamily="34" charset="0"/>
               </a:rPr>
               <a:t>Slide </a:t>
@@ -8267,7 +8265,7 @@
           <a:graphicData uri="http://schemas.openxmlformats.org/presentationml/2006/ole">
             <mc:AlternateContent xmlns:mc="http://schemas.openxmlformats.org/markup-compatibility/2006">
               <mc:Choice xmlns:v="urn:schemas-microsoft-com:vml" Requires="v">
-                <p:oleObj spid="_x0000_s13332" name="Document" r:id="rId3" imgW="6858000" imgH="4610100" progId="Word.Document.12">
+                <p:oleObj spid="_x0000_s13333" name="Document" r:id="rId3" imgW="6858000" imgH="4610100" progId="Word.Document.12">
                   <p:embed/>
                 </p:oleObj>
               </mc:Choice>
@@ -8356,10 +8354,9 @@
               <a:defRPr/>
             </a:pPr>
             <a:r>
-              <a:rPr lang="en-US" smtClean="0"/>
+              <a:rPr lang="en-US"/>
               <a:t>Murach's Android Programming, C10</a:t>
             </a:r>
-            <a:endParaRPr lang="en-US"/>
           </a:p>
         </p:txBody>
       </p:sp>
@@ -8387,10 +8384,9 @@
               <a:defRPr/>
             </a:pPr>
             <a:r>
-              <a:rPr lang="en-US" smtClean="0"/>
+              <a:rPr lang="en-US"/>
               <a:t>© 2013, Mike Murach &amp; Associates, Inc.</a:t>
             </a:r>
-            <a:endParaRPr lang="en-US"/>
           </a:p>
         </p:txBody>
       </p:sp>
@@ -8417,14 +8413,14 @@
             <a:pPr>
               <a:defRPr/>
             </a:pPr>
-            <a:endParaRPr lang="en-US" smtClean="0"/>
+            <a:endParaRPr lang="en-US"/>
           </a:p>
           <a:p>
             <a:pPr algn="r">
               <a:defRPr/>
             </a:pPr>
             <a:r>
-              <a:rPr lang="en-US" sz="900" smtClean="0">
+              <a:rPr lang="en-US" sz="900">
                 <a:latin typeface="Arial Narrow" pitchFamily="34" charset="0"/>
               </a:rPr>
               <a:t>Slide </a:t>
@@ -8466,7 +8462,7 @@
           <a:graphicData uri="http://schemas.openxmlformats.org/presentationml/2006/ole">
             <mc:AlternateContent xmlns:mc="http://schemas.openxmlformats.org/markup-compatibility/2006">
               <mc:Choice xmlns:v="urn:schemas-microsoft-com:vml" Requires="v">
-                <p:oleObj spid="_x0000_s14355" name="Document" r:id="rId3" imgW="6864119" imgH="4880636" progId="Word.Document.12">
+                <p:oleObj spid="_x0000_s14356" name="Document" r:id="rId3" imgW="6864119" imgH="4880636" progId="Word.Document.12">
                   <p:embed/>
                 </p:oleObj>
               </mc:Choice>
@@ -8555,10 +8551,9 @@
               <a:defRPr/>
             </a:pPr>
             <a:r>
-              <a:rPr lang="en-US" smtClean="0"/>
+              <a:rPr lang="en-US"/>
               <a:t>Murach's Android Programming, C10</a:t>
             </a:r>
-            <a:endParaRPr lang="en-US"/>
           </a:p>
         </p:txBody>
       </p:sp>
@@ -8586,10 +8581,9 @@
               <a:defRPr/>
             </a:pPr>
             <a:r>
-              <a:rPr lang="en-US" smtClean="0"/>
+              <a:rPr lang="en-US"/>
               <a:t>© 2013, Mike Murach &amp; Associates, Inc.</a:t>
             </a:r>
-            <a:endParaRPr lang="en-US"/>
           </a:p>
         </p:txBody>
       </p:sp>
@@ -8616,14 +8610,14 @@
             <a:pPr>
               <a:defRPr/>
             </a:pPr>
-            <a:endParaRPr lang="en-US" smtClean="0"/>
+            <a:endParaRPr lang="en-US"/>
           </a:p>
           <a:p>
             <a:pPr algn="r">
               <a:defRPr/>
             </a:pPr>
             <a:r>
-              <a:rPr lang="en-US" sz="900" smtClean="0">
+              <a:rPr lang="en-US" sz="900">
                 <a:latin typeface="Arial Narrow" pitchFamily="34" charset="0"/>
               </a:rPr>
               <a:t>Slide </a:t>
@@ -8665,7 +8659,7 @@
           <a:graphicData uri="http://schemas.openxmlformats.org/presentationml/2006/ole">
             <mc:AlternateContent xmlns:mc="http://schemas.openxmlformats.org/markup-compatibility/2006">
               <mc:Choice xmlns:v="urn:schemas-microsoft-com:vml" Requires="v">
-                <p:oleObj spid="_x0000_s15379" name="Document" r:id="rId3" imgW="6864119" imgH="3060634" progId="Word.Document.12">
+                <p:oleObj spid="_x0000_s15380" name="Document" r:id="rId3" imgW="6864119" imgH="3060634" progId="Word.Document.12">
                   <p:embed/>
                 </p:oleObj>
               </mc:Choice>
@@ -8754,10 +8748,9 @@
               <a:defRPr/>
             </a:pPr>
             <a:r>
-              <a:rPr lang="en-US" smtClean="0"/>
+              <a:rPr lang="en-US"/>
               <a:t>Murach's Android Programming, C10</a:t>
             </a:r>
-            <a:endParaRPr lang="en-US"/>
           </a:p>
         </p:txBody>
       </p:sp>
@@ -8785,10 +8778,9 @@
               <a:defRPr/>
             </a:pPr>
             <a:r>
-              <a:rPr lang="en-US" smtClean="0"/>
+              <a:rPr lang="en-US"/>
               <a:t>© 2013, Mike Murach &amp; Associates, Inc.</a:t>
             </a:r>
-            <a:endParaRPr lang="en-US"/>
           </a:p>
         </p:txBody>
       </p:sp>
@@ -8815,14 +8807,14 @@
             <a:pPr>
               <a:defRPr/>
             </a:pPr>
-            <a:endParaRPr lang="en-US" smtClean="0"/>
+            <a:endParaRPr lang="en-US"/>
           </a:p>
           <a:p>
             <a:pPr algn="r">
               <a:defRPr/>
             </a:pPr>
             <a:r>
-              <a:rPr lang="en-US" sz="900" smtClean="0">
+              <a:rPr lang="en-US" sz="900">
                 <a:latin typeface="Arial Narrow" pitchFamily="34" charset="0"/>
               </a:rPr>
               <a:t>Slide </a:t>
@@ -8864,7 +8856,7 @@
           <a:graphicData uri="http://schemas.openxmlformats.org/presentationml/2006/ole">
             <mc:AlternateContent xmlns:mc="http://schemas.openxmlformats.org/markup-compatibility/2006">
               <mc:Choice xmlns:v="urn:schemas-microsoft-com:vml" Requires="v">
-                <p:oleObj spid="_x0000_s16403" name="Document" r:id="rId3" imgW="6864119" imgH="4274570" progId="Word.Document.12">
+                <p:oleObj spid="_x0000_s16404" name="Document" r:id="rId3" imgW="6864119" imgH="4274570" progId="Word.Document.12">
                   <p:embed/>
                 </p:oleObj>
               </mc:Choice>
@@ -8953,10 +8945,9 @@
               <a:defRPr/>
             </a:pPr>
             <a:r>
-              <a:rPr lang="en-US" smtClean="0"/>
+              <a:rPr lang="en-US"/>
               <a:t>Murach's Android Programming, C10</a:t>
             </a:r>
-            <a:endParaRPr lang="en-US"/>
           </a:p>
         </p:txBody>
       </p:sp>
@@ -8984,10 +8975,9 @@
               <a:defRPr/>
             </a:pPr>
             <a:r>
-              <a:rPr lang="en-US" smtClean="0"/>
+              <a:rPr lang="en-US"/>
               <a:t>© 2013, Mike Murach &amp; Associates, Inc.</a:t>
             </a:r>
-            <a:endParaRPr lang="en-US"/>
           </a:p>
         </p:txBody>
       </p:sp>
@@ -9014,14 +9004,14 @@
             <a:pPr>
               <a:defRPr/>
             </a:pPr>
-            <a:endParaRPr lang="en-US" smtClean="0"/>
+            <a:endParaRPr lang="en-US"/>
           </a:p>
           <a:p>
             <a:pPr algn="r">
               <a:defRPr/>
             </a:pPr>
             <a:r>
-              <a:rPr lang="en-US" sz="900" smtClean="0">
+              <a:rPr lang="en-US" sz="900">
                 <a:latin typeface="Arial Narrow" pitchFamily="34" charset="0"/>
               </a:rPr>
               <a:t>Slide </a:t>
@@ -9063,7 +9053,7 @@
           <a:graphicData uri="http://schemas.openxmlformats.org/presentationml/2006/ole">
             <mc:AlternateContent xmlns:mc="http://schemas.openxmlformats.org/markup-compatibility/2006">
               <mc:Choice xmlns:v="urn:schemas-microsoft-com:vml" Requires="v">
-                <p:oleObj spid="_x0000_s17427" name="Document" r:id="rId3" imgW="6864119" imgH="5286484" progId="Word.Document.12">
+                <p:oleObj spid="_x0000_s17428" name="Document" r:id="rId3" imgW="6864119" imgH="5286484" progId="Word.Document.12">
                   <p:embed/>
                 </p:oleObj>
               </mc:Choice>
@@ -9152,10 +9142,9 @@
               <a:defRPr/>
             </a:pPr>
             <a:r>
-              <a:rPr lang="en-US" smtClean="0"/>
+              <a:rPr lang="en-US"/>
               <a:t>Murach's Android Programming, C10</a:t>
             </a:r>
-            <a:endParaRPr lang="en-US"/>
           </a:p>
         </p:txBody>
       </p:sp>
@@ -9183,10 +9172,9 @@
               <a:defRPr/>
             </a:pPr>
             <a:r>
-              <a:rPr lang="en-US" smtClean="0"/>
+              <a:rPr lang="en-US"/>
               <a:t>© 2013, Mike Murach &amp; Associates, Inc.</a:t>
             </a:r>
-            <a:endParaRPr lang="en-US"/>
           </a:p>
         </p:txBody>
       </p:sp>
@@ -9213,14 +9201,14 @@
             <a:pPr>
               <a:defRPr/>
             </a:pPr>
-            <a:endParaRPr lang="en-US" smtClean="0"/>
+            <a:endParaRPr lang="en-US"/>
           </a:p>
           <a:p>
             <a:pPr algn="r">
               <a:defRPr/>
             </a:pPr>
             <a:r>
-              <a:rPr lang="en-US" sz="900" smtClean="0">
+              <a:rPr lang="en-US" sz="900">
                 <a:latin typeface="Arial Narrow" pitchFamily="34" charset="0"/>
               </a:rPr>
               <a:t>Slide </a:t>
@@ -9262,7 +9250,7 @@
           <a:graphicData uri="http://schemas.openxmlformats.org/presentationml/2006/ole">
             <mc:AlternateContent xmlns:mc="http://schemas.openxmlformats.org/markup-compatibility/2006">
               <mc:Choice xmlns:v="urn:schemas-microsoft-com:vml" Requires="v">
-                <p:oleObj spid="_x0000_s18451" name="Document" r:id="rId3" imgW="7220116" imgH="4542970" progId="Word.Document.12">
+                <p:oleObj spid="_x0000_s18452" name="Document" r:id="rId3" imgW="7220116" imgH="4542970" progId="Word.Document.12">
                   <p:embed/>
                 </p:oleObj>
               </mc:Choice>
@@ -9373,18 +9361,13 @@
           <a:p>
             <a:pPr algn="ctr"/>
             <a:r>
-              <a:rPr lang="en-US" sz="6600" dirty="0" smtClean="0">
+              <a:rPr lang="en-US" sz="6600" dirty="0">
                 <a:solidFill>
                   <a:srgbClr val="2D2DB9"/>
                 </a:solidFill>
               </a:rPr>
               <a:t>Using Asynch Task</a:t>
             </a:r>
-            <a:endParaRPr lang="en-US" sz="6600" dirty="0">
-              <a:solidFill>
-                <a:srgbClr val="2D2DB9"/>
-              </a:solidFill>
-            </a:endParaRPr>
           </a:p>
         </p:txBody>
       </p:sp>
@@ -9442,10 +9425,9 @@
               <a:defRPr/>
             </a:pPr>
             <a:r>
-              <a:rPr lang="en-US" smtClean="0"/>
+              <a:rPr lang="en-US"/>
               <a:t>Murach's Android Programming, C10</a:t>
             </a:r>
-            <a:endParaRPr lang="en-US"/>
           </a:p>
         </p:txBody>
       </p:sp>
@@ -9473,10 +9455,9 @@
               <a:defRPr/>
             </a:pPr>
             <a:r>
-              <a:rPr lang="en-US" smtClean="0"/>
+              <a:rPr lang="en-US"/>
               <a:t>© 2013, Mike Murach &amp; Associates, Inc.</a:t>
             </a:r>
-            <a:endParaRPr lang="en-US"/>
           </a:p>
         </p:txBody>
       </p:sp>
@@ -9503,14 +9484,14 @@
             <a:pPr>
               <a:defRPr/>
             </a:pPr>
-            <a:endParaRPr lang="en-US" smtClean="0"/>
+            <a:endParaRPr lang="en-US"/>
           </a:p>
           <a:p>
             <a:pPr algn="r">
               <a:defRPr/>
             </a:pPr>
             <a:r>
-              <a:rPr lang="en-US" sz="900" smtClean="0">
+              <a:rPr lang="en-US" sz="900">
                 <a:latin typeface="Arial Narrow" pitchFamily="34" charset="0"/>
               </a:rPr>
               <a:t>Slide </a:t>
@@ -9552,7 +9533,7 @@
           <a:graphicData uri="http://schemas.openxmlformats.org/presentationml/2006/ole">
             <mc:AlternateContent xmlns:mc="http://schemas.openxmlformats.org/markup-compatibility/2006">
               <mc:Choice xmlns:v="urn:schemas-microsoft-com:vml" Requires="v">
-                <p:oleObj spid="_x0000_s19488" name="Document" r:id="rId3" imgW="6965729" imgH="801234" progId="Word.Document.12">
+                <p:oleObj spid="_x0000_s19490" name="Document" r:id="rId3" imgW="6965729" imgH="801234" progId="Word.Document.12">
                   <p:embed/>
                 </p:oleObj>
               </mc:Choice>
@@ -9609,7 +9590,7 @@
           <a:graphicData uri="http://schemas.openxmlformats.org/presentationml/2006/ole">
             <mc:AlternateContent xmlns:mc="http://schemas.openxmlformats.org/markup-compatibility/2006">
               <mc:Choice xmlns:v="urn:schemas-microsoft-com:vml" Requires="v">
-                <p:oleObj spid="_x0000_s19489" r:id="rId5" imgW="2961415" imgH="3075761" progId="Visio.Drawing.11">
+                <p:oleObj spid="_x0000_s19491" r:id="rId5" imgW="2961415" imgH="3075761" progId="Visio.Drawing.11">
                   <p:embed/>
                 </p:oleObj>
               </mc:Choice>
@@ -9648,7 +9629,7 @@
                       <a:noFill/>
                       <a:extLst>
                         <a:ext uri="{909E8E84-426E-40dd-AFC4-6F175D3DCCD1}">
-                          <a14:hiddenFill xmlns:a14="http://schemas.microsoft.com/office/drawing/2010/main" xmlns="">
+                          <a14:hiddenFill xmlns="" xmlns:a14="http://schemas.microsoft.com/office/drawing/2010/main">
                             <a:solidFill>
                               <a:srgbClr val="FFFFFF"/>
                             </a:solidFill>
@@ -9716,7 +9697,7 @@
           <a:lstStyle/>
           <a:p>
             <a:r>
-              <a:rPr lang="en-US" dirty="0" smtClean="0">
+              <a:rPr lang="en-US" dirty="0">
                 <a:solidFill>
                   <a:srgbClr val="000090"/>
                 </a:solidFill>
@@ -9724,7 +9705,7 @@
               <a:t>Handling Data</a:t>
             </a:r>
             <a:br>
-              <a:rPr lang="en-US" dirty="0" smtClean="0">
+              <a:rPr lang="en-US" dirty="0">
                 <a:solidFill>
                   <a:srgbClr val="000090"/>
                 </a:solidFill>
@@ -9736,21 +9717,8 @@
                   <a:srgbClr val="000090"/>
                 </a:solidFill>
               </a:rPr>
-              <a:t>Topics this week and next are related to </a:t>
-            </a:r>
-            <a:r>
-              <a:rPr lang="en-US" sz="3600" dirty="0" smtClean="0">
-                <a:solidFill>
-                  <a:srgbClr val="000090"/>
-                </a:solidFill>
-              </a:rPr>
-              <a:t>data</a:t>
-            </a:r>
-            <a:endParaRPr lang="en-US" sz="3600" dirty="0">
-              <a:solidFill>
-                <a:srgbClr val="000090"/>
-              </a:solidFill>
-            </a:endParaRPr>
+              <a:t>Topics this week and next are related to data</a:t>
+            </a:r>
           </a:p>
         </p:txBody>
       </p:sp>
@@ -9777,48 +9745,48 @@
           <a:lstStyle/>
           <a:p>
             <a:r>
-              <a:rPr lang="en-US" dirty="0" smtClean="0"/>
+              <a:rPr lang="en-US" dirty="0"/>
               <a:t>Data sources</a:t>
             </a:r>
           </a:p>
           <a:p>
             <a:pPr lvl="1"/>
             <a:r>
-              <a:rPr lang="en-US" dirty="0" smtClean="0"/>
+              <a:rPr lang="en-US" dirty="0"/>
               <a:t>XML files</a:t>
             </a:r>
           </a:p>
           <a:p>
             <a:pPr lvl="1"/>
             <a:r>
-              <a:rPr lang="en-US" dirty="0" smtClean="0"/>
+              <a:rPr lang="en-US" dirty="0"/>
               <a:t>Web services</a:t>
             </a:r>
           </a:p>
           <a:p>
             <a:pPr lvl="1"/>
             <a:r>
-              <a:rPr lang="en-US" dirty="0" smtClean="0"/>
+              <a:rPr lang="en-US" dirty="0"/>
               <a:t>Data bases</a:t>
             </a:r>
           </a:p>
           <a:p>
             <a:r>
-              <a:rPr lang="en-US" dirty="0" smtClean="0"/>
+              <a:rPr lang="en-US" dirty="0"/>
               <a:t>Loading data</a:t>
             </a:r>
           </a:p>
           <a:p>
             <a:pPr lvl="1"/>
             <a:r>
-              <a:rPr lang="en-US" dirty="0" smtClean="0"/>
+              <a:rPr lang="en-US" dirty="0"/>
               <a:t>Asynchronous tasks</a:t>
             </a:r>
           </a:p>
           <a:p>
             <a:pPr lvl="1"/>
             <a:r>
-              <a:rPr lang="en-US" dirty="0" smtClean="0"/>
+              <a:rPr lang="en-US" dirty="0"/>
               <a:t>Parsing XML</a:t>
             </a:r>
           </a:p>
@@ -9862,13 +9830,8 @@
             <a:pPr lvl="1"/>
             <a:r>
               <a:rPr lang="en-US" dirty="0"/>
-              <a:t>Searching </a:t>
-            </a:r>
-            <a:r>
-              <a:rPr lang="en-US" dirty="0" smtClean="0"/>
-              <a:t>databases</a:t>
-            </a:r>
-            <a:endParaRPr lang="en-US" dirty="0"/>
+              <a:t>Searching databases</a:t>
+            </a:r>
           </a:p>
           <a:p>
             <a:r>
@@ -9942,7 +9905,7 @@
           <a:lstStyle/>
           <a:p>
             <a:r>
-              <a:rPr lang="en-US" dirty="0" err="1" smtClean="0">
+              <a:rPr lang="en-US" dirty="0" err="1">
                 <a:solidFill>
                   <a:srgbClr val="0000FF"/>
                 </a:solidFill>
@@ -9950,18 +9913,13 @@
               <a:t>AsyncTask</a:t>
             </a:r>
             <a:r>
-              <a:rPr lang="en-US" dirty="0" smtClean="0">
+              <a:rPr lang="en-US" dirty="0">
                 <a:solidFill>
                   <a:srgbClr val="0000FF"/>
                 </a:solidFill>
               </a:rPr>
               <a:t> class</a:t>
             </a:r>
-            <a:endParaRPr lang="en-US" dirty="0">
-              <a:solidFill>
-                <a:srgbClr val="0000FF"/>
-              </a:solidFill>
-            </a:endParaRPr>
           </a:p>
         </p:txBody>
       </p:sp>
@@ -9988,39 +9946,26 @@
           <a:lstStyle/>
           <a:p>
             <a:r>
-              <a:rPr lang="en-US" dirty="0" smtClean="0"/>
-              <a:t>Facilitates executing a task on a background thread and publishing </a:t>
-            </a:r>
-            <a:r>
-              <a:rPr lang="en-US" dirty="0"/>
-              <a:t>results on the UI thread without having to manipulate threads and/or </a:t>
-            </a:r>
-            <a:r>
-              <a:rPr lang="en-US" dirty="0" smtClean="0"/>
-              <a:t>handlers</a:t>
-            </a:r>
-          </a:p>
-          <a:p>
-            <a:r>
-              <a:rPr lang="en-US" dirty="0" smtClean="0"/>
+              <a:rPr lang="en-US" dirty="0"/>
+              <a:t>Facilitates executing a task on a background thread and publishing results on the UI thread without having to manipulate threads and/or handlers</a:t>
+            </a:r>
+          </a:p>
+          <a:p>
+            <a:r>
+              <a:rPr lang="en-US" dirty="0"/>
               <a:t>Provides four methods to override in the derived class</a:t>
             </a:r>
           </a:p>
           <a:p>
             <a:r>
-              <a:rPr lang="en-US" dirty="0" smtClean="0"/>
+              <a:rPr lang="en-US" dirty="0"/>
               <a:t>Has three generic types to be declared in the derived class</a:t>
             </a:r>
-            <a:endParaRPr lang="en-US" dirty="0"/>
-          </a:p>
-          <a:p>
-            <a:r>
-              <a:rPr lang="en-US" dirty="0" smtClean="0"/>
-              <a:t>Designed </a:t>
-            </a:r>
-            <a:r>
-              <a:rPr lang="en-US" dirty="0"/>
-              <a:t>to be a helper class around Thread and Handler and does not constitute a generic threading framework. </a:t>
+          </a:p>
+          <a:p>
+            <a:r>
+              <a:rPr lang="en-US" dirty="0"/>
+              <a:t>Designed to be a helper class around Thread and Handler and does not constitute a generic threading framework. </a:t>
             </a:r>
             <a:r>
               <a:rPr lang="en-US" dirty="0" err="1"/>
@@ -10028,13 +9973,8 @@
             </a:r>
             <a:r>
               <a:rPr lang="en-US" dirty="0"/>
-              <a:t> should ideally be used for short operations (a few seconds at the </a:t>
-            </a:r>
-            <a:r>
-              <a:rPr lang="en-US" dirty="0" smtClean="0"/>
-              <a:t>most</a:t>
-            </a:r>
-            <a:endParaRPr lang="en-US" dirty="0"/>
+              <a:t> should ideally be used for short operations (a few seconds at the most</a:t>
+            </a:r>
           </a:p>
         </p:txBody>
       </p:sp>
@@ -10091,7 +10031,7 @@
           <a:lstStyle/>
           <a:p>
             <a:r>
-              <a:rPr lang="en-US" dirty="0" err="1" smtClean="0">
+              <a:rPr lang="en-US" dirty="0" err="1">
                 <a:solidFill>
                   <a:srgbClr val="0000FF"/>
                 </a:solidFill>
@@ -10099,18 +10039,13 @@
               <a:t>AsyncTask</a:t>
             </a:r>
             <a:r>
-              <a:rPr lang="en-US" dirty="0" smtClean="0">
+              <a:rPr lang="en-US" dirty="0">
                 <a:solidFill>
                   <a:srgbClr val="0000FF"/>
                 </a:solidFill>
               </a:rPr>
               <a:t> Methods</a:t>
             </a:r>
-            <a:endParaRPr lang="en-US" dirty="0">
-              <a:solidFill>
-                <a:srgbClr val="0000FF"/>
-              </a:solidFill>
-            </a:endParaRPr>
           </a:p>
         </p:txBody>
       </p:sp>
@@ -10137,85 +10072,84 @@
           <a:lstStyle/>
           <a:p>
             <a:r>
-              <a:rPr lang="en-US" dirty="0" err="1" smtClean="0"/>
+              <a:rPr lang="en-US" dirty="0" err="1"/>
               <a:t>onPreExecute</a:t>
             </a:r>
             <a:r>
-              <a:rPr lang="en-US" dirty="0" smtClean="0"/>
+              <a:rPr lang="en-US" dirty="0"/>
               <a:t>()</a:t>
             </a:r>
           </a:p>
           <a:p>
             <a:pPr lvl="1"/>
             <a:r>
-              <a:rPr lang="en-US" dirty="0" smtClean="0"/>
+              <a:rPr lang="en-US" dirty="0"/>
               <a:t>Used to set up the task on the UI thread</a:t>
             </a:r>
           </a:p>
           <a:p>
             <a:r>
-              <a:rPr lang="en-US" dirty="0" err="1" smtClean="0"/>
+              <a:rPr lang="en-US" dirty="0" err="1"/>
               <a:t>doInBackground</a:t>
             </a:r>
             <a:r>
-              <a:rPr lang="en-US" dirty="0" smtClean="0"/>
+              <a:rPr lang="en-US" dirty="0"/>
               <a:t>(</a:t>
             </a:r>
             <a:r>
-              <a:rPr lang="en-US" dirty="0" err="1" smtClean="0"/>
+              <a:rPr lang="en-US" dirty="0" err="1"/>
               <a:t>Params</a:t>
             </a:r>
             <a:r>
-              <a:rPr lang="is-IS" dirty="0" smtClean="0"/>
+              <a:rPr lang="is-IS" dirty="0"/>
               <a:t>… )</a:t>
             </a:r>
           </a:p>
           <a:p>
             <a:pPr lvl="1"/>
             <a:r>
-              <a:rPr lang="is-IS" dirty="0" smtClean="0"/>
+              <a:rPr lang="is-IS" dirty="0"/>
               <a:t>Does processing on a background thread</a:t>
             </a:r>
           </a:p>
           <a:p>
             <a:r>
-              <a:rPr lang="en-US" dirty="0" err="1" smtClean="0"/>
+              <a:rPr lang="en-US" dirty="0" err="1"/>
               <a:t>onProgressUpdate</a:t>
             </a:r>
             <a:r>
-              <a:rPr lang="en-US" dirty="0" smtClean="0"/>
+              <a:rPr lang="en-US" dirty="0"/>
               <a:t>(Progress</a:t>
             </a:r>
             <a:r>
-              <a:rPr lang="is-IS" dirty="0" smtClean="0"/>
+              <a:rPr lang="is-IS" dirty="0"/>
               <a:t>… )</a:t>
             </a:r>
-            <a:endParaRPr lang="en-US" dirty="0" smtClean="0"/>
+            <a:endParaRPr lang="en-US" dirty="0"/>
           </a:p>
           <a:p>
             <a:pPr lvl="1"/>
             <a:r>
-              <a:rPr lang="en-US" dirty="0" smtClean="0"/>
+              <a:rPr lang="en-US" dirty="0"/>
               <a:t>Displays progress in the UI</a:t>
             </a:r>
           </a:p>
           <a:p>
             <a:r>
-              <a:rPr lang="en-US" dirty="0" err="1" smtClean="0"/>
+              <a:rPr lang="en-US" dirty="0" err="1"/>
               <a:t>onPostExecute</a:t>
             </a:r>
             <a:r>
-              <a:rPr lang="en-US" dirty="0" smtClean="0"/>
+              <a:rPr lang="en-US" dirty="0"/>
               <a:t>(Result)</a:t>
             </a:r>
           </a:p>
           <a:p>
             <a:pPr lvl="1"/>
             <a:r>
-              <a:rPr lang="en-US" dirty="0" smtClean="0"/>
+              <a:rPr lang="en-US" dirty="0"/>
               <a:t>Returns a result to the UI thread</a:t>
             </a:r>
-            <a:endParaRPr lang="en-US" dirty="0"/>
           </a:p>
         </p:txBody>
       </p:sp>
@@ -10285,21 +10219,8 @@
                   <a:srgbClr val="0000FF"/>
                 </a:solidFill>
               </a:rPr>
-              <a:t> generic </a:t>
-            </a:r>
-            <a:r>
-              <a:rPr lang="en-US" dirty="0" smtClean="0">
-                <a:solidFill>
-                  <a:srgbClr val="0000FF"/>
-                </a:solidFill>
-              </a:rPr>
-              <a:t>types</a:t>
-            </a:r>
-            <a:endParaRPr lang="en-US" dirty="0">
-              <a:solidFill>
-                <a:srgbClr val="0000FF"/>
-              </a:solidFill>
-            </a:endParaRPr>
+              <a:t> generic types</a:t>
+            </a:r>
           </a:p>
         </p:txBody>
       </p:sp>
@@ -10327,18 +10248,9 @@
           <a:p>
             <a:pPr marL="457200" indent="-457200"/>
             <a:r>
-              <a:rPr lang="en-US" dirty="0" smtClean="0"/>
-              <a:t>Types used </a:t>
-            </a:r>
-            <a:r>
-              <a:rPr lang="en-US" dirty="0"/>
-              <a:t>by an </a:t>
-            </a:r>
-            <a:r>
-              <a:rPr lang="en-US" dirty="0" smtClean="0"/>
-              <a:t>asynchronous:</a:t>
-            </a:r>
-            <a:endParaRPr lang="en-US" dirty="0"/>
+              <a:rPr lang="en-US" dirty="0"/>
+              <a:t>Types used by an asynchronous:</a:t>
+            </a:r>
           </a:p>
           <a:p>
             <a:pPr lvl="1"/>
@@ -10362,27 +10274,22 @@
             <a:pPr lvl="1"/>
             <a:r>
               <a:rPr lang="en-US" dirty="0"/>
-              <a:t>Result, the type of the result of the background computation</a:t>
-            </a:r>
-            <a:r>
-              <a:rPr lang="en-US" dirty="0" smtClean="0"/>
-              <a:t>.</a:t>
+              <a:t>Result, the type of the result of the background computation.</a:t>
             </a:r>
           </a:p>
           <a:p>
             <a:pPr marL="457200" indent="-457200"/>
             <a:r>
-              <a:rPr lang="en-US" dirty="0" smtClean="0"/>
+              <a:rPr lang="en-US" dirty="0"/>
               <a:t>Unused parameters are set to the type Void</a:t>
             </a:r>
           </a:p>
           <a:p>
             <a:pPr marL="857250" lvl="1" indent="-457200"/>
             <a:r>
-              <a:rPr lang="en-US" dirty="0" smtClean="0"/>
+              <a:rPr lang="en-US" dirty="0"/>
               <a:t>A uninstantiatable placeholder class defined by the Android API</a:t>
             </a:r>
-            <a:endParaRPr lang="en-US" dirty="0"/>
           </a:p>
         </p:txBody>
       </p:sp>
@@ -10440,10 +10347,9 @@
               <a:defRPr/>
             </a:pPr>
             <a:r>
-              <a:rPr lang="en-US" smtClean="0"/>
+              <a:rPr lang="en-US"/>
               <a:t>Murach's Android Programming, C10</a:t>
             </a:r>
-            <a:endParaRPr lang="en-US"/>
           </a:p>
         </p:txBody>
       </p:sp>
@@ -10471,10 +10377,9 @@
               <a:defRPr/>
             </a:pPr>
             <a:r>
-              <a:rPr lang="en-US" smtClean="0"/>
+              <a:rPr lang="en-US"/>
               <a:t>© 2013, Mike Murach &amp; Associates, Inc.</a:t>
             </a:r>
-            <a:endParaRPr lang="en-US"/>
           </a:p>
         </p:txBody>
       </p:sp>
@@ -10501,14 +10406,14 @@
             <a:pPr>
               <a:defRPr/>
             </a:pPr>
-            <a:endParaRPr lang="en-US" smtClean="0"/>
+            <a:endParaRPr lang="en-US"/>
           </a:p>
           <a:p>
             <a:pPr algn="r">
               <a:defRPr/>
             </a:pPr>
             <a:r>
-              <a:rPr lang="en-US" sz="900" smtClean="0">
+              <a:rPr lang="en-US" sz="900">
                 <a:latin typeface="Arial Narrow" pitchFamily="34" charset="0"/>
               </a:rPr>
               <a:t>Slide </a:t>
@@ -10550,7 +10455,7 @@
           <a:graphicData uri="http://schemas.openxmlformats.org/presentationml/2006/ole">
             <mc:AlternateContent xmlns:mc="http://schemas.openxmlformats.org/markup-compatibility/2006">
               <mc:Choice xmlns:v="urn:schemas-microsoft-com:vml" Requires="v">
-                <p:oleObj spid="_x0000_s23571" name="Document" r:id="rId3" imgW="8305800" imgH="4686300" progId="Word.Document.12">
+                <p:oleObj spid="_x0000_s23572" name="Document" r:id="rId3" imgW="8305800" imgH="4686300" progId="Word.Document.12">
                   <p:embed/>
                 </p:oleObj>
               </mc:Choice>
@@ -10636,7 +10541,7 @@
           <a:lstStyle/>
           <a:p>
             <a:r>
-              <a:rPr lang="en-US" dirty="0" err="1" smtClean="0">
+              <a:rPr lang="en-US" dirty="0" err="1">
                 <a:solidFill>
                   <a:srgbClr val="0000FF"/>
                 </a:solidFill>
@@ -10644,18 +10549,13 @@
               <a:t>AsyncTask</a:t>
             </a:r>
             <a:r>
-              <a:rPr lang="en-US" dirty="0" smtClean="0">
+              <a:rPr lang="en-US" dirty="0">
                 <a:solidFill>
                   <a:srgbClr val="0000FF"/>
                 </a:solidFill>
               </a:rPr>
               <a:t> Usage Example</a:t>
             </a:r>
-            <a:endParaRPr lang="en-US" dirty="0">
-              <a:solidFill>
-                <a:srgbClr val="0000FF"/>
-              </a:solidFill>
-            </a:endParaRPr>
           </a:p>
         </p:txBody>
       </p:sp>
@@ -10921,28 +10821,23 @@
             </a:pPr>
             <a:r>
               <a:rPr lang="en-US" dirty="0"/>
-              <a:t>     </a:t>
-            </a:r>
-            <a:r>
-              <a:rPr lang="en-US" dirty="0" smtClean="0"/>
-              <a:t>}</a:t>
+              <a:t>     }</a:t>
             </a:r>
           </a:p>
           <a:p>
             <a:pPr marL="0" indent="0">
               <a:buNone/>
             </a:pPr>
-            <a:endParaRPr lang="en-US" dirty="0" smtClean="0"/>
+            <a:endParaRPr lang="en-US" dirty="0"/>
           </a:p>
           <a:p>
             <a:pPr marL="0" indent="0">
               <a:buNone/>
             </a:pPr>
             <a:r>
-              <a:rPr lang="en-US" dirty="0" smtClean="0"/>
+              <a:rPr lang="en-US" dirty="0"/>
               <a:t>// Continued on the next slide</a:t>
             </a:r>
-            <a:endParaRPr lang="en-US" dirty="0"/>
           </a:p>
         </p:txBody>
       </p:sp>
@@ -10999,7 +10894,7 @@
           <a:lstStyle/>
           <a:p>
             <a:r>
-              <a:rPr lang="en-US" dirty="0" err="1" smtClean="0">
+              <a:rPr lang="en-US" dirty="0" err="1">
                 <a:solidFill>
                   <a:srgbClr val="0000FF"/>
                 </a:solidFill>
@@ -11007,7 +10902,7 @@
               <a:t>AsyncTask</a:t>
             </a:r>
             <a:r>
-              <a:rPr lang="en-US" dirty="0" smtClean="0">
+              <a:rPr lang="en-US" dirty="0">
                 <a:solidFill>
                   <a:srgbClr val="0000FF"/>
                 </a:solidFill>
@@ -11015,25 +10910,20 @@
               <a:t> Usage Example </a:t>
             </a:r>
             <a:br>
-              <a:rPr lang="en-US" dirty="0" smtClean="0">
+              <a:rPr lang="en-US" dirty="0">
                 <a:solidFill>
                   <a:srgbClr val="0000FF"/>
                 </a:solidFill>
               </a:rPr>
             </a:br>
             <a:r>
-              <a:rPr lang="en-US" dirty="0" smtClean="0">
+              <a:rPr lang="en-US" dirty="0">
                 <a:solidFill>
                   <a:srgbClr val="0000FF"/>
                 </a:solidFill>
               </a:rPr>
               <a:t>(continued)</a:t>
             </a:r>
-            <a:endParaRPr lang="en-US" dirty="0">
-              <a:solidFill>
-                <a:srgbClr val="0000FF"/>
-              </a:solidFill>
-            </a:endParaRPr>
           </a:p>
         </p:txBody>
       </p:sp>
@@ -11058,10 +10948,9 @@
               <a:buNone/>
             </a:pPr>
             <a:r>
-              <a:rPr lang="en-US" dirty="0" smtClean="0"/>
+              <a:rPr lang="en-US" dirty="0"/>
               <a:t>// continued from the previous slide</a:t>
             </a:r>
-            <a:endParaRPr lang="en-US" dirty="0"/>
           </a:p>
           <a:p>
             <a:pPr marL="0" indent="0">
@@ -11235,18 +11124,13 @@
           <a:lstStyle/>
           <a:p>
             <a:r>
-              <a:rPr lang="en-US" dirty="0" smtClean="0">
+              <a:rPr lang="en-US" dirty="0">
                 <a:solidFill>
                   <a:srgbClr val="0000FF"/>
                 </a:solidFill>
               </a:rPr>
               <a:t>Code Tour</a:t>
             </a:r>
-            <a:endParaRPr lang="en-US" dirty="0">
-              <a:solidFill>
-                <a:srgbClr val="0000FF"/>
-              </a:solidFill>
-            </a:endParaRPr>
           </a:p>
         </p:txBody>
       </p:sp>
@@ -11266,57 +11150,56 @@
           <a:lstStyle/>
           <a:p>
             <a:r>
-              <a:rPr lang="en-US" dirty="0" smtClean="0"/>
+              <a:rPr lang="en-US" dirty="0"/>
               <a:t>In the Ch. 10 RSS Feed Reader App</a:t>
             </a:r>
           </a:p>
           <a:p>
             <a:r>
-              <a:rPr lang="en-US" dirty="0" smtClean="0"/>
+              <a:rPr lang="en-US" dirty="0"/>
               <a:t>Look at </a:t>
             </a:r>
             <a:r>
-              <a:rPr lang="en-US" dirty="0" err="1" smtClean="0"/>
+              <a:rPr lang="en-US" dirty="0" err="1"/>
               <a:t>ItemsActivity.java</a:t>
             </a:r>
-            <a:endParaRPr lang="en-US" dirty="0" smtClean="0"/>
-          </a:p>
-          <a:p>
-            <a:r>
-              <a:rPr lang="en-US" dirty="0" smtClean="0"/>
+            <a:endParaRPr lang="en-US" dirty="0"/>
+          </a:p>
+          <a:p>
+            <a:r>
+              <a:rPr lang="en-US" dirty="0"/>
               <a:t>Add a dummy line of code at the end of </a:t>
             </a:r>
             <a:r>
-              <a:rPr lang="en-US" dirty="0" err="1" smtClean="0"/>
+              <a:rPr lang="en-US" dirty="0" err="1"/>
               <a:t>onCreate</a:t>
             </a:r>
             <a:r>
-              <a:rPr lang="en-US" dirty="0" smtClean="0"/>
+              <a:rPr lang="en-US" dirty="0"/>
               <a:t>, put a breakpoint there so you can see when the </a:t>
             </a:r>
             <a:r>
-              <a:rPr lang="en-US" dirty="0" err="1" smtClean="0"/>
+              <a:rPr lang="en-US" dirty="0" err="1"/>
               <a:t>AsynchTask.execute</a:t>
             </a:r>
             <a:r>
-              <a:rPr lang="en-US" dirty="0" smtClean="0"/>
+              <a:rPr lang="en-US" dirty="0"/>
               <a:t>() method returns.</a:t>
             </a:r>
           </a:p>
           <a:p>
             <a:r>
-              <a:rPr lang="en-US" dirty="0" smtClean="0"/>
+              <a:rPr lang="en-US" dirty="0"/>
               <a:t>Put a breakpoint at the end of the </a:t>
             </a:r>
             <a:r>
-              <a:rPr lang="en-US" dirty="0" err="1" smtClean="0"/>
+              <a:rPr lang="en-US" dirty="0" err="1"/>
               <a:t>downloadFeed</a:t>
             </a:r>
             <a:r>
-              <a:rPr lang="en-US" dirty="0" smtClean="0"/>
+              <a:rPr lang="en-US" dirty="0"/>
               <a:t> method to see when it returns.</a:t>
             </a:r>
-            <a:endParaRPr lang="en-US" dirty="0"/>
           </a:p>
         </p:txBody>
       </p:sp>
@@ -11374,10 +11257,9 @@
               <a:defRPr/>
             </a:pPr>
             <a:r>
-              <a:rPr lang="en-US" smtClean="0"/>
+              <a:rPr lang="en-US"/>
               <a:t>Murach's Android Programming, C10</a:t>
             </a:r>
-            <a:endParaRPr lang="en-US"/>
           </a:p>
         </p:txBody>
       </p:sp>
@@ -11405,10 +11287,9 @@
               <a:defRPr/>
             </a:pPr>
             <a:r>
-              <a:rPr lang="en-US" smtClean="0"/>
+              <a:rPr lang="en-US"/>
               <a:t>© 2013, Mike Murach &amp; Associates, Inc.</a:t>
             </a:r>
-            <a:endParaRPr lang="en-US"/>
           </a:p>
         </p:txBody>
       </p:sp>
@@ -11435,14 +11316,14 @@
             <a:pPr>
               <a:defRPr/>
             </a:pPr>
-            <a:endParaRPr lang="en-US" smtClean="0"/>
+            <a:endParaRPr lang="en-US"/>
           </a:p>
           <a:p>
             <a:pPr algn="r">
               <a:defRPr/>
             </a:pPr>
             <a:r>
-              <a:rPr lang="en-US" sz="900" smtClean="0">
+              <a:rPr lang="en-US" sz="900">
                 <a:latin typeface="Arial Narrow" pitchFamily="34" charset="0"/>
               </a:rPr>
               <a:t>Slide </a:t>
@@ -11484,7 +11365,7 @@
           <a:graphicData uri="http://schemas.openxmlformats.org/presentationml/2006/ole">
             <mc:AlternateContent xmlns:mc="http://schemas.openxmlformats.org/markup-compatibility/2006">
               <mc:Choice xmlns:v="urn:schemas-microsoft-com:vml" Requires="v">
-                <p:oleObj spid="_x0000_s20498" name="Document" r:id="rId3" imgW="6864119" imgH="4844200" progId="Word.Document.12">
+                <p:oleObj spid="_x0000_s20499" name="Document" r:id="rId3" imgW="6864119" imgH="4844200" progId="Word.Document.12">
                   <p:embed/>
                 </p:oleObj>
               </mc:Choice>
@@ -11573,10 +11454,9 @@
               <a:defRPr/>
             </a:pPr>
             <a:r>
-              <a:rPr lang="en-US" smtClean="0"/>
+              <a:rPr lang="en-US"/>
               <a:t>Murach's Android Programming, C10</a:t>
             </a:r>
-            <a:endParaRPr lang="en-US"/>
           </a:p>
         </p:txBody>
       </p:sp>
@@ -11604,10 +11484,9 @@
               <a:defRPr/>
             </a:pPr>
             <a:r>
-              <a:rPr lang="en-US" smtClean="0"/>
+              <a:rPr lang="en-US"/>
               <a:t>© 2013, Mike Murach &amp; Associates, Inc.</a:t>
             </a:r>
-            <a:endParaRPr lang="en-US"/>
           </a:p>
         </p:txBody>
       </p:sp>
@@ -11634,14 +11513,14 @@
             <a:pPr>
               <a:defRPr/>
             </a:pPr>
-            <a:endParaRPr lang="en-US" smtClean="0"/>
+            <a:endParaRPr lang="en-US"/>
           </a:p>
           <a:p>
             <a:pPr algn="r">
               <a:defRPr/>
             </a:pPr>
             <a:r>
-              <a:rPr lang="en-US" sz="900" smtClean="0">
+              <a:rPr lang="en-US" sz="900">
                 <a:latin typeface="Arial Narrow" pitchFamily="34" charset="0"/>
               </a:rPr>
               <a:t>Slide </a:t>
@@ -11683,7 +11562,7 @@
           <a:graphicData uri="http://schemas.openxmlformats.org/presentationml/2006/ole">
             <mc:AlternateContent xmlns:mc="http://schemas.openxmlformats.org/markup-compatibility/2006">
               <mc:Choice xmlns:v="urn:schemas-microsoft-com:vml" Requires="v">
-                <p:oleObj spid="_x0000_s21522" name="Document" r:id="rId3" imgW="6864119" imgH="4844200" progId="Word.Document.12">
+                <p:oleObj spid="_x0000_s21523" name="Document" r:id="rId3" imgW="6864119" imgH="4844200" progId="Word.Document.12">
                   <p:embed/>
                 </p:oleObj>
               </mc:Choice>
@@ -11772,10 +11651,9 @@
               <a:defRPr/>
             </a:pPr>
             <a:r>
-              <a:rPr lang="en-US" smtClean="0"/>
+              <a:rPr lang="en-US"/>
               <a:t>Murach's Android Programming, C10</a:t>
             </a:r>
-            <a:endParaRPr lang="en-US"/>
           </a:p>
         </p:txBody>
       </p:sp>
@@ -11803,10 +11681,9 @@
               <a:defRPr/>
             </a:pPr>
             <a:r>
-              <a:rPr lang="en-US" smtClean="0"/>
+              <a:rPr lang="en-US"/>
               <a:t>© 2013, Mike Murach &amp; Associates, Inc.</a:t>
             </a:r>
-            <a:endParaRPr lang="en-US"/>
           </a:p>
         </p:txBody>
       </p:sp>
@@ -11833,14 +11710,14 @@
             <a:pPr>
               <a:defRPr/>
             </a:pPr>
-            <a:endParaRPr lang="en-US" smtClean="0"/>
+            <a:endParaRPr lang="en-US"/>
           </a:p>
           <a:p>
             <a:pPr algn="r">
               <a:defRPr/>
             </a:pPr>
             <a:r>
-              <a:rPr lang="en-US" sz="900" smtClean="0">
+              <a:rPr lang="en-US" sz="900">
                 <a:latin typeface="Arial Narrow" pitchFamily="34" charset="0"/>
               </a:rPr>
               <a:t>Slide </a:t>
@@ -11882,7 +11759,7 @@
           <a:graphicData uri="http://schemas.openxmlformats.org/presentationml/2006/ole">
             <mc:AlternateContent xmlns:mc="http://schemas.openxmlformats.org/markup-compatibility/2006">
               <mc:Choice xmlns:v="urn:schemas-microsoft-com:vml" Requires="v">
-                <p:oleObj spid="_x0000_s22546" name="Document" r:id="rId3" imgW="7423337" imgH="5268807" progId="Word.Document.12">
+                <p:oleObj spid="_x0000_s22547" name="Document" r:id="rId3" imgW="7423337" imgH="5268807" progId="Word.Document.12">
                   <p:embed/>
                 </p:oleObj>
               </mc:Choice>
@@ -11968,18 +11845,13 @@
           <a:lstStyle/>
           <a:p>
             <a:r>
-              <a:rPr lang="en-US" dirty="0" smtClean="0">
+              <a:rPr lang="en-US" dirty="0">
                 <a:solidFill>
                   <a:srgbClr val="000090"/>
                 </a:solidFill>
               </a:rPr>
               <a:t>Lab Assignments</a:t>
             </a:r>
-            <a:endParaRPr lang="en-US" dirty="0">
-              <a:solidFill>
-                <a:srgbClr val="000090"/>
-              </a:solidFill>
-            </a:endParaRPr>
           </a:p>
         </p:txBody>
       </p:sp>
@@ -12010,59 +11882,54 @@
             </a:pPr>
             <a:r>
               <a:rPr lang="en-US" dirty="0"/>
-              <a:t>L</a:t>
-            </a:r>
-            <a:r>
-              <a:rPr lang="en-US" dirty="0" smtClean="0"/>
-              <a:t>ab assignments are related to data handling</a:t>
-            </a:r>
-          </a:p>
-          <a:p>
-            <a:r>
-              <a:rPr lang="en-US" dirty="0" smtClean="0"/>
+              <a:t>Lab assignments are related to data handling</a:t>
+            </a:r>
+          </a:p>
+          <a:p>
+            <a:r>
+              <a:rPr lang="en-US" dirty="0"/>
               <a:t>Lab 5, Tide Prediction App V1:</a:t>
             </a:r>
           </a:p>
           <a:p>
             <a:pPr lvl="1"/>
             <a:r>
-              <a:rPr lang="en-US" dirty="0" smtClean="0"/>
+              <a:rPr lang="en-US" dirty="0"/>
               <a:t>Read and parse data from an XML file</a:t>
             </a:r>
           </a:p>
           <a:p>
             <a:pPr lvl="1"/>
             <a:r>
-              <a:rPr lang="en-US" dirty="0" smtClean="0"/>
+              <a:rPr lang="en-US" dirty="0"/>
               <a:t>Display data in a ListView</a:t>
             </a:r>
           </a:p>
           <a:p>
             <a:r>
-              <a:rPr lang="en-US" dirty="0" smtClean="0"/>
+              <a:rPr lang="en-US" dirty="0"/>
               <a:t>Lab 6, Tide Prediction App V2</a:t>
             </a:r>
           </a:p>
           <a:p>
             <a:pPr lvl="1"/>
             <a:r>
-              <a:rPr lang="en-US" dirty="0" smtClean="0"/>
+              <a:rPr lang="en-US" dirty="0"/>
               <a:t>Read data from a database</a:t>
             </a:r>
           </a:p>
           <a:p>
             <a:r>
-              <a:rPr lang="en-US" dirty="0" smtClean="0"/>
+              <a:rPr lang="en-US" dirty="0"/>
               <a:t>Lab 7, Tide Prediction App V3</a:t>
             </a:r>
           </a:p>
           <a:p>
             <a:pPr lvl="1"/>
             <a:r>
-              <a:rPr lang="en-US" dirty="0" smtClean="0"/>
+              <a:rPr lang="en-US" dirty="0"/>
               <a:t>Read data from a web service</a:t>
             </a:r>
-            <a:endParaRPr lang="en-US" dirty="0"/>
           </a:p>
         </p:txBody>
       </p:sp>
@@ -12142,18 +12009,13 @@
           <a:p>
             <a:pPr algn="ctr"/>
             <a:r>
-              <a:rPr lang="en-US" sz="6600" dirty="0" smtClean="0">
+              <a:rPr lang="en-US" sz="6600" dirty="0">
                 <a:solidFill>
                   <a:srgbClr val="2D2DB9"/>
                 </a:solidFill>
               </a:rPr>
               <a:t>Parsing XML Files</a:t>
             </a:r>
-            <a:endParaRPr lang="en-US" sz="6600" dirty="0">
-              <a:solidFill>
-                <a:srgbClr val="2D2DB9"/>
-              </a:solidFill>
-            </a:endParaRPr>
           </a:p>
         </p:txBody>
       </p:sp>
@@ -12211,10 +12073,9 @@
               <a:defRPr/>
             </a:pPr>
             <a:r>
-              <a:rPr lang="en-US" smtClean="0"/>
+              <a:rPr lang="en-US"/>
               <a:t>Murach's Android Programming, C10</a:t>
             </a:r>
-            <a:endParaRPr lang="en-US"/>
           </a:p>
         </p:txBody>
       </p:sp>
@@ -12242,26 +12103,25 @@
               <a:defRPr/>
             </a:pPr>
             <a:r>
-              <a:rPr lang="en-US" dirty="0" smtClean="0"/>
+              <a:rPr lang="en-US" dirty="0"/>
               <a:t>© 2013, Mike Murach &amp; Associates, </a:t>
             </a:r>
             <a:r>
-              <a:rPr lang="en-US" dirty="0" err="1" smtClean="0"/>
+              <a:rPr lang="en-US" dirty="0" err="1"/>
               <a:t>Inc</a:t>
             </a:r>
             <a:r>
-              <a:rPr lang="en-US" dirty="0" smtClean="0"/>
+              <a:rPr lang="en-US" dirty="0"/>
               <a:t> – revised by </a:t>
             </a:r>
             <a:r>
-              <a:rPr lang="en-US" dirty="0" err="1" smtClean="0"/>
+              <a:rPr lang="en-US" dirty="0" err="1"/>
               <a:t>Grian</a:t>
             </a:r>
             <a:r>
-              <a:rPr lang="en-US" dirty="0" smtClean="0"/>
+              <a:rPr lang="en-US" dirty="0"/>
               <a:t> Bird 2016.</a:t>
             </a:r>
-            <a:endParaRPr lang="en-US" dirty="0"/>
           </a:p>
         </p:txBody>
       </p:sp>
@@ -12288,14 +12148,14 @@
             <a:pPr>
               <a:defRPr/>
             </a:pPr>
-            <a:endParaRPr lang="en-US" smtClean="0"/>
+            <a:endParaRPr lang="en-US"/>
           </a:p>
           <a:p>
             <a:pPr algn="r">
               <a:defRPr/>
             </a:pPr>
             <a:r>
-              <a:rPr lang="en-US" sz="900" smtClean="0">
+              <a:rPr lang="en-US" sz="900">
                 <a:latin typeface="Arial Narrow" pitchFamily="34" charset="0"/>
               </a:rPr>
               <a:t>Slide </a:t>
@@ -12337,7 +12197,7 @@
           <a:graphicData uri="http://schemas.openxmlformats.org/presentationml/2006/ole">
             <mc:AlternateContent xmlns:mc="http://schemas.openxmlformats.org/markup-compatibility/2006">
               <mc:Choice xmlns:v="urn:schemas-microsoft-com:vml" Requires="v">
-                <p:oleObj spid="_x0000_s4116" name="Document" r:id="rId3" imgW="6858000" imgH="4089400" progId="Word.Document.12">
+                <p:oleObj spid="_x0000_s4117" name="Document" r:id="rId3" imgW="6858000" imgH="4089400" progId="Word.Document.12">
                   <p:embed/>
                 </p:oleObj>
               </mc:Choice>
@@ -12426,10 +12286,9 @@
               <a:defRPr/>
             </a:pPr>
             <a:r>
-              <a:rPr lang="en-US" smtClean="0"/>
+              <a:rPr lang="en-US"/>
               <a:t>Murach's Android Programming, C10</a:t>
             </a:r>
-            <a:endParaRPr lang="en-US"/>
           </a:p>
         </p:txBody>
       </p:sp>
@@ -12457,10 +12316,9 @@
               <a:defRPr/>
             </a:pPr>
             <a:r>
-              <a:rPr lang="en-US" smtClean="0"/>
+              <a:rPr lang="en-US"/>
               <a:t>© 2013, Mike Murach &amp; Associates, Inc.</a:t>
             </a:r>
-            <a:endParaRPr lang="en-US"/>
           </a:p>
         </p:txBody>
       </p:sp>
@@ -12487,14 +12345,14 @@
             <a:pPr>
               <a:defRPr/>
             </a:pPr>
-            <a:endParaRPr lang="en-US" smtClean="0"/>
+            <a:endParaRPr lang="en-US"/>
           </a:p>
           <a:p>
             <a:pPr algn="r">
               <a:defRPr/>
             </a:pPr>
             <a:r>
-              <a:rPr lang="en-US" sz="900" smtClean="0">
+              <a:rPr lang="en-US" sz="900">
                 <a:latin typeface="Arial Narrow" pitchFamily="34" charset="0"/>
               </a:rPr>
               <a:t>Slide </a:t>
@@ -12536,7 +12394,7 @@
           <a:graphicData uri="http://schemas.openxmlformats.org/presentationml/2006/ole">
             <mc:AlternateContent xmlns:mc="http://schemas.openxmlformats.org/markup-compatibility/2006">
               <mc:Choice xmlns:v="urn:schemas-microsoft-com:vml" Requires="v">
-                <p:oleObj spid="_x0000_s5140" name="Document" r:id="rId3" imgW="6864119" imgH="4687993" progId="Word.Document.12">
+                <p:oleObj spid="_x0000_s5141" name="Document" r:id="rId3" imgW="6864119" imgH="4687993" progId="Word.Document.12">
                   <p:embed/>
                 </p:oleObj>
               </mc:Choice>
@@ -12617,18 +12475,13 @@
           <a:lstStyle/>
           <a:p>
             <a:r>
-              <a:rPr lang="en-US" dirty="0" smtClean="0">
+              <a:rPr lang="en-US" dirty="0">
                 <a:solidFill>
                   <a:srgbClr val="000090"/>
                 </a:solidFill>
               </a:rPr>
               <a:t>Parsing XML</a:t>
             </a:r>
-            <a:endParaRPr lang="en-US" dirty="0">
-              <a:solidFill>
-                <a:srgbClr val="000090"/>
-              </a:solidFill>
-            </a:endParaRPr>
           </a:p>
         </p:txBody>
       </p:sp>
@@ -12650,32 +12503,28 @@
           <a:lstStyle/>
           <a:p>
             <a:r>
-              <a:rPr lang="en-US" dirty="0" smtClean="0"/>
+              <a:rPr lang="en-US" dirty="0"/>
               <a:t>Extract data from an XML file (or string in memory) and put it into some other data structure like:</a:t>
             </a:r>
           </a:p>
           <a:p>
             <a:pPr lvl="1"/>
             <a:r>
-              <a:rPr lang="en-US" dirty="0" smtClean="0"/>
+              <a:rPr lang="en-US" dirty="0"/>
               <a:t>A Java List object</a:t>
             </a:r>
           </a:p>
           <a:p>
             <a:pPr lvl="1"/>
             <a:r>
-              <a:rPr lang="en-US" dirty="0" smtClean="0"/>
+              <a:rPr lang="en-US" dirty="0"/>
               <a:t>A database</a:t>
             </a:r>
           </a:p>
           <a:p>
             <a:r>
-              <a:rPr lang="en-US" dirty="0" smtClean="0"/>
-              <a:t>Java Libraries </a:t>
-            </a:r>
-            <a:r>
-              <a:rPr lang="en-US" dirty="0" smtClean="0"/>
-              <a:t>used for parsing XML</a:t>
+              <a:rPr lang="en-US" dirty="0"/>
+              <a:t>Java Libraries used for parsing XML</a:t>
             </a:r>
           </a:p>
           <a:p>
@@ -12702,63 +12551,37 @@
           <a:p>
             <a:pPr lvl="1"/>
             <a:r>
-              <a:rPr lang="en-US" dirty="0" smtClean="0"/>
+              <a:rPr lang="en-US" dirty="0"/>
               <a:t>DOM API (Document Object Model)</a:t>
             </a:r>
           </a:p>
           <a:p>
             <a:pPr lvl="2"/>
             <a:r>
-              <a:rPr lang="en-US" dirty="0" smtClean="0"/>
-              <a:t>Access </a:t>
-            </a:r>
-            <a:r>
-              <a:rPr lang="en-US" dirty="0"/>
-              <a:t>the XML document over an object tree</a:t>
+              <a:rPr lang="en-US" dirty="0"/>
+              <a:t>Access the XML document over an object tree</a:t>
             </a:r>
           </a:p>
           <a:p>
             <a:pPr lvl="2"/>
             <a:r>
-              <a:rPr lang="en-US" dirty="0" smtClean="0"/>
-              <a:t>The DOM API can </a:t>
-            </a:r>
-            <a:r>
-              <a:rPr lang="en-US" dirty="0"/>
-              <a:t>be used to read and write XML files.</a:t>
+              <a:rPr lang="en-US" dirty="0"/>
+              <a:t>The DOM API can be used to read and write XML files.</a:t>
             </a:r>
           </a:p>
           <a:p>
             <a:pPr lvl="1"/>
             <a:r>
-              <a:rPr lang="en-US" dirty="0" smtClean="0"/>
-              <a:t>JAXB (Java </a:t>
-            </a:r>
-            <a:r>
-              <a:rPr lang="en-US" dirty="0"/>
-              <a:t>Architecture for XML </a:t>
-            </a:r>
-            <a:r>
-              <a:rPr lang="en-US" dirty="0" smtClean="0"/>
-              <a:t>Binding)</a:t>
-            </a:r>
-            <a:endParaRPr lang="en-US" dirty="0"/>
+              <a:rPr lang="en-US" dirty="0"/>
+              <a:t>JAXB (Java Architecture for XML Binding)</a:t>
+            </a:r>
           </a:p>
           <a:p>
             <a:pPr lvl="2"/>
             <a:r>
-              <a:rPr lang="en-US" dirty="0" smtClean="0"/>
-              <a:t>Read Java objects from and write Java </a:t>
-            </a:r>
-            <a:r>
-              <a:rPr lang="en-US" dirty="0"/>
-              <a:t>objects to </a:t>
-            </a:r>
-            <a:r>
-              <a:rPr lang="en-US" dirty="0" smtClean="0"/>
-              <a:t> XML</a:t>
-            </a:r>
-            <a:endParaRPr lang="en-US" dirty="0"/>
+              <a:rPr lang="en-US" dirty="0"/>
+              <a:t>Read Java objects from and write Java objects to  XML</a:t>
+            </a:r>
           </a:p>
         </p:txBody>
       </p:sp>
@@ -12838,18 +12661,13 @@
           <a:p>
             <a:pPr algn="ctr"/>
             <a:r>
-              <a:rPr lang="en-US" sz="6600" dirty="0" smtClean="0">
+              <a:rPr lang="en-US" sz="6600" dirty="0">
                 <a:solidFill>
                   <a:srgbClr val="2D2DB9"/>
                 </a:solidFill>
               </a:rPr>
               <a:t>Using SAX</a:t>
             </a:r>
-            <a:endParaRPr lang="en-US" sz="6600" dirty="0">
-              <a:solidFill>
-                <a:srgbClr val="2D2DB9"/>
-              </a:solidFill>
-            </a:endParaRPr>
           </a:p>
         </p:txBody>
       </p:sp>
